--- a/CloudProjectPresentation.pptx
+++ b/CloudProjectPresentation.pptx
@@ -2,23 +2,25 @@
 <file path=ppt/presentation.xml><?xml version="1.0" encoding="utf-8"?>
 <p:presentation xmlns:a="http://schemas.openxmlformats.org/drawingml/2006/main" xmlns:r="http://schemas.openxmlformats.org/officeDocument/2006/relationships" xmlns:p="http://schemas.openxmlformats.org/presentationml/2006/main">
   <p:sldMasterIdLst>
-    <p:sldMasterId id="2147483648" r:id="rId5"/>
+    <p:sldMasterId id="2147483648" r:id="rId1"/>
   </p:sldMasterIdLst>
   <p:notesMasterIdLst>
-    <p:notesMasterId r:id="rId7"/>
+    <p:notesMasterId r:id="rId13"/>
   </p:notesMasterIdLst>
   <p:sldIdLst>
-    <p:sldId id="256" r:id="rId8"/>
-    <p:sldId id="257" r:id="rId9"/>
-    <p:sldId id="258" r:id="rId10"/>
-    <p:sldId id="259" r:id="rId11"/>
-    <p:sldId id="260" r:id="rId12"/>
-    <p:sldId id="261" r:id="rId13"/>
-    <p:sldId id="262" r:id="rId14"/>
-    <p:sldId id="263" r:id="rId15"/>
-    <p:sldId id="264" r:id="rId16"/>
+    <p:sldId id="256" r:id="rId2"/>
+    <p:sldId id="257" r:id="rId3"/>
+    <p:sldId id="258" r:id="rId4"/>
+    <p:sldId id="259" r:id="rId5"/>
+    <p:sldId id="260" r:id="rId6"/>
+    <p:sldId id="261" r:id="rId7"/>
+    <p:sldId id="265" r:id="rId8"/>
+    <p:sldId id="266" r:id="rId9"/>
+    <p:sldId id="262" r:id="rId10"/>
+    <p:sldId id="263" r:id="rId11"/>
+    <p:sldId id="264" r:id="rId12"/>
   </p:sldIdLst>
-  <p:sldSz cx="9144000" cy="5143500"/>
+  <p:sldSz cx="9144000" cy="5143500" type="screen16x9"/>
   <p:notesSz cx="6858000" cy="9144000"/>
   <p:defaultTextStyle>
     <a:lvl1pPr>
@@ -97,13 +99,14 @@
 </p:presentation>
 </file>
 
-<file path=ppt/commentAuthors.xml><?xml version="1.0" encoding="utf-8"?>
-<p:cmAuthorLst xmlns:a="http://schemas.openxmlformats.org/drawingml/2006/main" xmlns:r="http://schemas.openxmlformats.org/officeDocument/2006/relationships" xmlns:p="http://schemas.openxmlformats.org/presentationml/2006/main"/>
-</file>
-
 <file path=ppt/notesMasters/notesMaster1.xml><?xml version="1.0" encoding="utf-8"?>
 <p:notesMaster xmlns:a="http://schemas.openxmlformats.org/drawingml/2006/main" xmlns:r="http://schemas.openxmlformats.org/officeDocument/2006/relationships" xmlns:p="http://schemas.openxmlformats.org/presentationml/2006/main">
   <p:cSld>
+    <p:bg>
+      <p:bgRef idx="1001">
+        <a:schemeClr val="bg1"/>
+      </p:bgRef>
+    </p:bg>
     <p:spTree>
       <p:nvGrpSpPr>
         <p:cNvPr id="1" name=""/>
@@ -121,7 +124,9 @@
       <p:sp>
         <p:nvSpPr>
           <p:cNvPr id="18" name="Shape 18"/>
-          <p:cNvSpPr/>
+          <p:cNvSpPr>
+            <a:spLocks noGrp="1" noRot="1" noChangeAspect="1"/>
+          </p:cNvSpPr>
           <p:nvPr>
             <p:ph type="sldImg"/>
           </p:nvPr>
@@ -140,13 +145,16 @@
           <a:lstStyle/>
           <a:p>
             <a:pPr lvl="0"/>
+            <a:endParaRPr/>
           </a:p>
         </p:txBody>
       </p:sp>
       <p:sp>
         <p:nvSpPr>
           <p:cNvPr id="19" name="Shape 19"/>
-          <p:cNvSpPr/>
+          <p:cNvSpPr>
+            <a:spLocks noGrp="1"/>
+          </p:cNvSpPr>
           <p:nvPr>
             <p:ph type="body" sz="quarter" idx="1"/>
           </p:nvPr>
@@ -165,10 +173,16 @@
           <a:lstStyle/>
           <a:p>
             <a:pPr lvl="0"/>
+            <a:endParaRPr/>
           </a:p>
         </p:txBody>
       </p:sp>
     </p:spTree>
+    <p:extLst>
+      <p:ext uri="{BB962C8B-B14F-4D97-AF65-F5344CB8AC3E}">
+        <p14:creationId xmlns:p14="http://schemas.microsoft.com/office/powerpoint/2010/main" val="2933054326"/>
+      </p:ext>
+    </p:extLst>
   </p:cSld>
   <p:clrMap bg1="lt1" tx1="dk1" bg2="lt2" tx2="dk2" accent1="accent1" accent2="accent2" accent3="accent3" accent4="accent4" accent5="accent5" accent6="accent6" hlink="hlink" folHlink="folHlink"/>
   <p:notesStyle>
@@ -276,7 +290,7 @@
 </file>
 
 <file path=ppt/slideLayouts/slideLayout1.xml><?xml version="1.0" encoding="utf-8"?>
-<p:sldLayout xmlns:a="http://schemas.openxmlformats.org/drawingml/2006/main" xmlns:r="http://schemas.openxmlformats.org/officeDocument/2006/relationships" xmlns:p="http://schemas.openxmlformats.org/presentationml/2006/main" type="tx" showMasterSp="1" showMasterPhAnim="1">
+<p:sldLayout xmlns:a="http://schemas.openxmlformats.org/drawingml/2006/main" xmlns:r="http://schemas.openxmlformats.org/officeDocument/2006/relationships" xmlns:p="http://schemas.openxmlformats.org/presentationml/2006/main" type="tx">
   <p:cSld name="Title Slide">
     <p:spTree>
       <p:nvGrpSpPr>
@@ -295,7 +309,9 @@
       <p:sp>
         <p:nvSpPr>
           <p:cNvPr id="5" name="Shape 5"/>
-          <p:cNvSpPr/>
+          <p:cNvSpPr>
+            <a:spLocks noGrp="1"/>
+          </p:cNvSpPr>
           <p:nvPr>
             <p:ph type="title"/>
           </p:nvPr>
@@ -316,13 +332,16 @@
             <a:pPr lvl="0" algn="ctr">
               <a:defRPr sz="4800"/>
             </a:pPr>
+            <a:endParaRPr/>
           </a:p>
         </p:txBody>
       </p:sp>
       <p:sp>
         <p:nvSpPr>
           <p:cNvPr id="6" name="Shape 6"/>
-          <p:cNvSpPr/>
+          <p:cNvSpPr>
+            <a:spLocks noGrp="1"/>
+          </p:cNvSpPr>
           <p:nvPr>
             <p:ph type="body" idx="1"/>
           </p:nvPr>
@@ -347,6 +366,7 @@
                 </a:solidFill>
               </a:defRPr>
             </a:pPr>
+            <a:endParaRPr/>
           </a:p>
         </p:txBody>
       </p:sp>
@@ -355,12 +375,12 @@
   <p:clrMapOvr>
     <a:masterClrMapping/>
   </p:clrMapOvr>
-  <p:transition spd="med" advClick="1"/>
+  <p:transition spd="med"/>
 </p:sldLayout>
 </file>
 
 <file path=ppt/slideLayouts/slideLayout2.xml><?xml version="1.0" encoding="utf-8"?>
-<p:sldLayout xmlns:a="http://schemas.openxmlformats.org/drawingml/2006/main" xmlns:r="http://schemas.openxmlformats.org/officeDocument/2006/relationships" xmlns:p="http://schemas.openxmlformats.org/presentationml/2006/main" type="tx" showMasterSp="1" showMasterPhAnim="1">
+<p:sldLayout xmlns:a="http://schemas.openxmlformats.org/drawingml/2006/main" xmlns:r="http://schemas.openxmlformats.org/officeDocument/2006/relationships" xmlns:p="http://schemas.openxmlformats.org/presentationml/2006/main" type="tx">
   <p:cSld name="Title and Body">
     <p:spTree>
       <p:nvGrpSpPr>
@@ -379,7 +399,9 @@
       <p:sp>
         <p:nvSpPr>
           <p:cNvPr id="8" name="Shape 8"/>
-          <p:cNvSpPr/>
+          <p:cNvSpPr>
+            <a:spLocks noGrp="1"/>
+          </p:cNvSpPr>
           <p:nvPr>
             <p:ph type="title"/>
           </p:nvPr>
@@ -394,13 +416,16 @@
           <a:lstStyle/>
           <a:p>
             <a:pPr lvl="0"/>
+            <a:endParaRPr/>
           </a:p>
         </p:txBody>
       </p:sp>
       <p:sp>
         <p:nvSpPr>
           <p:cNvPr id="9" name="Shape 9"/>
-          <p:cNvSpPr/>
+          <p:cNvSpPr>
+            <a:spLocks noGrp="1"/>
+          </p:cNvSpPr>
           <p:nvPr>
             <p:ph type="body" idx="1"/>
           </p:nvPr>
@@ -415,6 +440,7 @@
           <a:lstStyle/>
           <a:p>
             <a:pPr lvl="0"/>
+            <a:endParaRPr/>
           </a:p>
         </p:txBody>
       </p:sp>
@@ -423,12 +449,12 @@
   <p:clrMapOvr>
     <a:masterClrMapping/>
   </p:clrMapOvr>
-  <p:transition spd="med" advClick="1"/>
+  <p:transition spd="med"/>
 </p:sldLayout>
 </file>
 
 <file path=ppt/slideLayouts/slideLayout3.xml><?xml version="1.0" encoding="utf-8"?>
-<p:sldLayout xmlns:a="http://schemas.openxmlformats.org/drawingml/2006/main" xmlns:r="http://schemas.openxmlformats.org/officeDocument/2006/relationships" xmlns:p="http://schemas.openxmlformats.org/presentationml/2006/main" type="tx" showMasterSp="1" showMasterPhAnim="1">
+<p:sldLayout xmlns:a="http://schemas.openxmlformats.org/drawingml/2006/main" xmlns:r="http://schemas.openxmlformats.org/officeDocument/2006/relationships" xmlns:p="http://schemas.openxmlformats.org/presentationml/2006/main" type="tx">
   <p:cSld name="Title and Two Columns">
     <p:spTree>
       <p:nvGrpSpPr>
@@ -447,7 +473,9 @@
       <p:sp>
         <p:nvSpPr>
           <p:cNvPr id="11" name="Shape 11"/>
-          <p:cNvSpPr/>
+          <p:cNvSpPr>
+            <a:spLocks noGrp="1"/>
+          </p:cNvSpPr>
           <p:nvPr>
             <p:ph type="title"/>
           </p:nvPr>
@@ -462,13 +490,16 @@
           <a:lstStyle/>
           <a:p>
             <a:pPr lvl="0"/>
+            <a:endParaRPr/>
           </a:p>
         </p:txBody>
       </p:sp>
       <p:sp>
         <p:nvSpPr>
           <p:cNvPr id="12" name="Shape 12"/>
-          <p:cNvSpPr/>
+          <p:cNvSpPr>
+            <a:spLocks noGrp="1"/>
+          </p:cNvSpPr>
           <p:nvPr>
             <p:ph type="body" idx="1"/>
           </p:nvPr>
@@ -487,6 +518,7 @@
           <a:lstStyle/>
           <a:p>
             <a:pPr lvl="0"/>
+            <a:endParaRPr/>
           </a:p>
         </p:txBody>
       </p:sp>
@@ -495,12 +527,12 @@
   <p:clrMapOvr>
     <a:masterClrMapping/>
   </p:clrMapOvr>
-  <p:transition spd="med" advClick="1"/>
+  <p:transition spd="med"/>
 </p:sldLayout>
 </file>
 
 <file path=ppt/slideLayouts/slideLayout4.xml><?xml version="1.0" encoding="utf-8"?>
-<p:sldLayout xmlns:a="http://schemas.openxmlformats.org/drawingml/2006/main" xmlns:r="http://schemas.openxmlformats.org/officeDocument/2006/relationships" xmlns:p="http://schemas.openxmlformats.org/presentationml/2006/main" type="tx" showMasterSp="1" showMasterPhAnim="1">
+<p:sldLayout xmlns:a="http://schemas.openxmlformats.org/drawingml/2006/main" xmlns:r="http://schemas.openxmlformats.org/officeDocument/2006/relationships" xmlns:p="http://schemas.openxmlformats.org/presentationml/2006/main" type="tx">
   <p:cSld name="Title Only">
     <p:spTree>
       <p:nvGrpSpPr>
@@ -519,7 +551,9 @@
       <p:sp>
         <p:nvSpPr>
           <p:cNvPr id="14" name="Shape 14"/>
-          <p:cNvSpPr/>
+          <p:cNvSpPr>
+            <a:spLocks noGrp="1"/>
+          </p:cNvSpPr>
           <p:nvPr>
             <p:ph type="title"/>
           </p:nvPr>
@@ -534,6 +568,7 @@
           <a:lstStyle/>
           <a:p>
             <a:pPr lvl="0"/>
+            <a:endParaRPr/>
           </a:p>
         </p:txBody>
       </p:sp>
@@ -542,12 +577,12 @@
   <p:clrMapOvr>
     <a:masterClrMapping/>
   </p:clrMapOvr>
-  <p:transition spd="med" advClick="1"/>
+  <p:transition spd="med"/>
 </p:sldLayout>
 </file>
 
 <file path=ppt/slideLayouts/slideLayout5.xml><?xml version="1.0" encoding="utf-8"?>
-<p:sldLayout xmlns:a="http://schemas.openxmlformats.org/drawingml/2006/main" xmlns:r="http://schemas.openxmlformats.org/officeDocument/2006/relationships" xmlns:p="http://schemas.openxmlformats.org/presentationml/2006/main" type="tx" showMasterSp="1" showMasterPhAnim="1">
+<p:sldLayout xmlns:a="http://schemas.openxmlformats.org/drawingml/2006/main" xmlns:r="http://schemas.openxmlformats.org/officeDocument/2006/relationships" xmlns:p="http://schemas.openxmlformats.org/presentationml/2006/main" type="tx">
   <p:cSld name="Caption">
     <p:spTree>
       <p:nvGrpSpPr>
@@ -566,7 +601,9 @@
       <p:sp>
         <p:nvSpPr>
           <p:cNvPr id="16" name="Shape 16"/>
-          <p:cNvSpPr/>
+          <p:cNvSpPr>
+            <a:spLocks noGrp="1"/>
+          </p:cNvSpPr>
           <p:nvPr>
             <p:ph type="body" idx="1"/>
           </p:nvPr>
@@ -590,6 +627,7 @@
               </a:spcBef>
               <a:defRPr sz="1800"/>
             </a:pPr>
+            <a:endParaRPr/>
           </a:p>
         </p:txBody>
       </p:sp>
@@ -598,12 +636,12 @@
   <p:clrMapOvr>
     <a:masterClrMapping/>
   </p:clrMapOvr>
-  <p:transition spd="med" advClick="1"/>
+  <p:transition spd="med"/>
 </p:sldLayout>
 </file>
 
 <file path=ppt/slideLayouts/slideLayout6.xml><?xml version="1.0" encoding="utf-8"?>
-<p:sldLayout xmlns:a="http://schemas.openxmlformats.org/drawingml/2006/main" xmlns:r="http://schemas.openxmlformats.org/officeDocument/2006/relationships" xmlns:p="http://schemas.openxmlformats.org/presentationml/2006/main" type="tx" showMasterSp="1" showMasterPhAnim="1">
+<p:sldLayout xmlns:a="http://schemas.openxmlformats.org/drawingml/2006/main" xmlns:r="http://schemas.openxmlformats.org/officeDocument/2006/relationships" xmlns:p="http://schemas.openxmlformats.org/presentationml/2006/main" type="tx">
   <p:cSld name="Blank">
     <p:spTree>
       <p:nvGrpSpPr>
@@ -624,7 +662,7 @@
   <p:clrMapOvr>
     <a:masterClrMapping/>
   </p:clrMapOvr>
-  <p:transition spd="med" advClick="1"/>
+  <p:transition spd="med"/>
 </p:sldLayout>
 </file>
 
@@ -636,6 +674,7 @@
         <a:solidFill>
           <a:srgbClr val="FFFFFF"/>
         </a:solidFill>
+        <a:effectLst/>
       </p:bgPr>
     </p:bg>
     <p:spTree>
@@ -655,7 +694,9 @@
       <p:sp>
         <p:nvSpPr>
           <p:cNvPr id="2" name="Shape 2"/>
-          <p:cNvSpPr/>
+          <p:cNvSpPr>
+            <a:spLocks noGrp="1"/>
+          </p:cNvSpPr>
           <p:nvPr>
             <p:ph type="title"/>
           </p:nvPr>
@@ -677,13 +718,16 @@
           <a:lstStyle/>
           <a:p>
             <a:pPr lvl="0"/>
+            <a:endParaRPr/>
           </a:p>
         </p:txBody>
       </p:sp>
       <p:sp>
         <p:nvSpPr>
           <p:cNvPr id="3" name="Shape 3"/>
-          <p:cNvSpPr/>
+          <p:cNvSpPr>
+            <a:spLocks noGrp="1"/>
+          </p:cNvSpPr>
           <p:nvPr>
             <p:ph type="body" idx="1"/>
           </p:nvPr>
@@ -705,6 +749,7 @@
           <a:lstStyle/>
           <a:p>
             <a:pPr lvl="0"/>
+            <a:endParaRPr/>
           </a:p>
         </p:txBody>
       </p:sp>
@@ -712,14 +757,14 @@
   </p:cSld>
   <p:clrMap bg1="lt1" tx1="dk1" bg2="lt2" tx2="dk2" accent1="accent1" accent2="accent2" accent3="accent3" accent4="accent4" accent5="accent5" accent6="accent6" hlink="hlink" folHlink="folHlink"/>
   <p:sldLayoutIdLst>
-    <p:sldLayoutId id="2147483649" r:id="rId2"/>
-    <p:sldLayoutId id="2147483650" r:id="rId3"/>
-    <p:sldLayoutId id="2147483651" r:id="rId4"/>
-    <p:sldLayoutId id="2147483652" r:id="rId5"/>
-    <p:sldLayoutId id="2147483653" r:id="rId6"/>
-    <p:sldLayoutId id="2147483654" r:id="rId7"/>
+    <p:sldLayoutId id="2147483649" r:id="rId1"/>
+    <p:sldLayoutId id="2147483650" r:id="rId2"/>
+    <p:sldLayoutId id="2147483651" r:id="rId3"/>
+    <p:sldLayoutId id="2147483652" r:id="rId4"/>
+    <p:sldLayoutId id="2147483653" r:id="rId5"/>
+    <p:sldLayoutId id="2147483654" r:id="rId6"/>
   </p:sldLayoutIdLst>
-  <p:transition spd="med" advClick="1"/>
+  <p:transition spd="med"/>
   <p:txStyles>
     <p:titleStyle>
       <a:lvl1pPr>
@@ -975,7 +1020,7 @@
 </file>
 
 <file path=ppt/slides/slide1.xml><?xml version="1.0" encoding="utf-8"?>
-<p:sld xmlns:a="http://schemas.openxmlformats.org/drawingml/2006/main" xmlns:r="http://schemas.openxmlformats.org/officeDocument/2006/relationships" xmlns:p="http://schemas.openxmlformats.org/presentationml/2006/main" showMasterSp="1" showMasterPhAnim="1">
+<p:sld xmlns:a="http://schemas.openxmlformats.org/drawingml/2006/main" xmlns:r="http://schemas.openxmlformats.org/officeDocument/2006/relationships" xmlns:p="http://schemas.openxmlformats.org/presentationml/2006/main">
   <p:cSld>
     <p:spTree>
       <p:nvGrpSpPr>
@@ -994,7 +1039,9 @@
       <p:sp>
         <p:nvSpPr>
           <p:cNvPr id="21" name="Shape 21"/>
-          <p:cNvSpPr/>
+          <p:cNvSpPr>
+            <a:spLocks noGrp="1"/>
+          </p:cNvSpPr>
           <p:nvPr>
             <p:ph type="title"/>
           </p:nvPr>
@@ -1009,13 +1056,13 @@
           </a:prstGeom>
           <a:extLst>
             <a:ext uri="{C572A759-6A51-4108-AA02-DFA0A04FC94B}">
-              <ma14:wrappingTextBoxFlag xmlns:ma14="http://schemas.microsoft.com/office/mac/drawingml/2011/main" val="1"/>
+              <ma14:wrappingTextBoxFlag xmlns:ma14="http://schemas.microsoft.com/office/mac/drawingml/2011/main" xmlns="" val="1"/>
             </a:ext>
           </a:extLst>
         </p:spPr>
         <p:txBody>
           <a:bodyPr lIns="0" tIns="0" rIns="0" bIns="0">
-            <a:normAutofit fontScale="100000" lnSpcReduction="0"/>
+            <a:normAutofit/>
           </a:bodyPr>
           <a:lstStyle>
             <a:lvl1pPr algn="ctr">
@@ -1036,7 +1083,9 @@
       <p:sp>
         <p:nvSpPr>
           <p:cNvPr id="22" name="Shape 22"/>
-          <p:cNvSpPr/>
+          <p:cNvSpPr>
+            <a:spLocks noGrp="1"/>
+          </p:cNvSpPr>
           <p:nvPr>
             <p:ph type="body" idx="1"/>
           </p:nvPr>
@@ -1051,13 +1100,13 @@
           </a:prstGeom>
           <a:extLst>
             <a:ext uri="{C572A759-6A51-4108-AA02-DFA0A04FC94B}">
-              <ma14:wrappingTextBoxFlag xmlns:ma14="http://schemas.microsoft.com/office/mac/drawingml/2011/main" val="1"/>
+              <ma14:wrappingTextBoxFlag xmlns:ma14="http://schemas.microsoft.com/office/mac/drawingml/2011/main" xmlns="" val="1"/>
             </a:ext>
           </a:extLst>
         </p:spPr>
         <p:txBody>
           <a:bodyPr lIns="0" tIns="0" rIns="0" bIns="0">
-            <a:normAutofit fontScale="100000" lnSpcReduction="0"/>
+            <a:normAutofit/>
           </a:bodyPr>
           <a:lstStyle/>
           <a:p>
@@ -1072,11 +1121,6 @@
               </a:rPr>
               <a:t>Team Name: Shiva’s Group</a:t>
             </a:r>
-            <a:endParaRPr>
-              <a:solidFill>
-                <a:srgbClr val="666666"/>
-              </a:solidFill>
-            </a:endParaRPr>
           </a:p>
           <a:p>
             <a:pPr lvl="0" algn="ctr">
@@ -1106,11 +1150,6 @@
               </a:rPr>
               <a:t>Aman Sardana</a:t>
             </a:r>
-            <a:endParaRPr>
-              <a:solidFill>
-                <a:srgbClr val="898989"/>
-              </a:solidFill>
-            </a:endParaRPr>
           </a:p>
           <a:p>
             <a:pPr lvl="0" algn="r">
@@ -1130,11 +1169,6 @@
               </a:rPr>
               <a:t>Krishnan Narayanan</a:t>
             </a:r>
-            <a:endParaRPr>
-              <a:solidFill>
-                <a:srgbClr val="898989"/>
-              </a:solidFill>
-            </a:endParaRPr>
           </a:p>
           <a:p>
             <a:pPr lvl="0" algn="r">
@@ -1162,12 +1196,361 @@
   <p:clrMapOvr>
     <a:masterClrMapping/>
   </p:clrMapOvr>
-  <p:transition spd="med" advClick="1"/>
+  <p:transition spd="med"/>
+  <p:timing>
+    <p:tnLst>
+      <p:par>
+        <p:cTn id="1" dur="indefinite" restart="never" nodeType="tmRoot"/>
+      </p:par>
+    </p:tnLst>
+  </p:timing>
+</p:sld>
+</file>
+
+<file path=ppt/slides/slide10.xml><?xml version="1.0" encoding="utf-8"?>
+<p:sld xmlns:a="http://schemas.openxmlformats.org/drawingml/2006/main" xmlns:r="http://schemas.openxmlformats.org/officeDocument/2006/relationships" xmlns:p="http://schemas.openxmlformats.org/presentationml/2006/main">
+  <p:cSld>
+    <p:spTree>
+      <p:nvGrpSpPr>
+        <p:cNvPr id="1" name=""/>
+        <p:cNvGrpSpPr/>
+        <p:nvPr/>
+      </p:nvGrpSpPr>
+      <p:grpSpPr>
+        <a:xfrm>
+          <a:off x="0" y="0"/>
+          <a:ext cx="0" cy="0"/>
+          <a:chOff x="0" y="0"/>
+          <a:chExt cx="0" cy="0"/>
+        </a:xfrm>
+      </p:grpSpPr>
+      <p:sp>
+        <p:nvSpPr>
+          <p:cNvPr id="43" name="Shape 43"/>
+          <p:cNvSpPr>
+            <a:spLocks noGrp="1"/>
+          </p:cNvSpPr>
+          <p:nvPr>
+            <p:ph type="title"/>
+          </p:nvPr>
+        </p:nvSpPr>
+        <p:spPr>
+          <a:xfrm>
+            <a:off x="457200" y="205978"/>
+            <a:ext cx="8229600" cy="857400"/>
+          </a:xfrm>
+          <a:prstGeom prst="rect">
+            <a:avLst/>
+          </a:prstGeom>
+          <a:extLst>
+            <a:ext uri="{C572A759-6A51-4108-AA02-DFA0A04FC94B}">
+              <ma14:wrappingTextBoxFlag xmlns:ma14="http://schemas.microsoft.com/office/mac/drawingml/2011/main" xmlns="" val="1"/>
+            </a:ext>
+          </a:extLst>
+        </p:spPr>
+        <p:txBody>
+          <a:bodyPr lIns="0" tIns="0" rIns="0" bIns="0">
+            <a:normAutofit/>
+          </a:bodyPr>
+          <a:lstStyle>
+            <a:lvl1pPr algn="ctr">
+              <a:defRPr sz="3000"/>
+            </a:lvl1pPr>
+          </a:lstStyle>
+          <a:p>
+            <a:pPr lvl="0">
+              <a:defRPr sz="1800"/>
+            </a:pPr>
+            <a:r>
+              <a:rPr sz="3000"/>
+              <a:t>Benefits</a:t>
+            </a:r>
+          </a:p>
+        </p:txBody>
+      </p:sp>
+      <p:sp>
+        <p:nvSpPr>
+          <p:cNvPr id="44" name="Shape 44"/>
+          <p:cNvSpPr>
+            <a:spLocks noGrp="1"/>
+          </p:cNvSpPr>
+          <p:nvPr>
+            <p:ph type="body" idx="1"/>
+          </p:nvPr>
+        </p:nvSpPr>
+        <p:spPr>
+          <a:xfrm>
+            <a:off x="457200" y="1200150"/>
+            <a:ext cx="8229600" cy="3725699"/>
+          </a:xfrm>
+          <a:prstGeom prst="rect">
+            <a:avLst/>
+          </a:prstGeom>
+          <a:extLst>
+            <a:ext uri="{C572A759-6A51-4108-AA02-DFA0A04FC94B}">
+              <ma14:wrappingTextBoxFlag xmlns:ma14="http://schemas.microsoft.com/office/mac/drawingml/2011/main" xmlns="" val="1"/>
+            </a:ext>
+          </a:extLst>
+        </p:spPr>
+        <p:txBody>
+          <a:bodyPr lIns="0" tIns="0" rIns="0" bIns="0">
+            <a:normAutofit/>
+          </a:bodyPr>
+          <a:lstStyle/>
+          <a:p>
+            <a:pPr marL="555171" lvl="0" indent="-440871">
+              <a:buClr>
+                <a:srgbClr val="000000"/>
+              </a:buClr>
+              <a:buSzPct val="100000"/>
+              <a:buFont typeface="Arial"/>
+              <a:buChar char="●"/>
+              <a:defRPr sz="1800"/>
+            </a:pPr>
+            <a:r>
+              <a:t>Users can watch recorded video in case they miss the live broadcast.</a:t>
+            </a:r>
+          </a:p>
+          <a:p>
+            <a:pPr marL="555171" lvl="0" indent="-440871">
+              <a:buClr>
+                <a:srgbClr val="000000"/>
+              </a:buClr>
+              <a:buSzPct val="100000"/>
+              <a:buFont typeface="Arial"/>
+              <a:buChar char="●"/>
+              <a:defRPr sz="1800"/>
+            </a:pPr>
+            <a:r>
+              <a:t>Users get notifications for videos being broadcasted based on their interests.</a:t>
+            </a:r>
+          </a:p>
+          <a:p>
+            <a:pPr marL="555171" lvl="0" indent="-440871">
+              <a:buClr>
+                <a:srgbClr val="000000"/>
+              </a:buClr>
+              <a:buSzPct val="100000"/>
+              <a:buFont typeface="Arial"/>
+              <a:buChar char="●"/>
+              <a:defRPr sz="1800"/>
+            </a:pPr>
+            <a:r>
+              <a:t>Users can send out invites to facebook or google plus friends to join this broadcasting site.</a:t>
+            </a:r>
+          </a:p>
+          <a:p>
+            <a:pPr marL="555171" lvl="0" indent="-440871">
+              <a:buClr>
+                <a:srgbClr val="000000"/>
+              </a:buClr>
+              <a:buSzPct val="100000"/>
+              <a:buFont typeface="Arial"/>
+              <a:buChar char="●"/>
+              <a:defRPr sz="1800"/>
+            </a:pPr>
+            <a:r>
+              <a:t>Users can subscribe to the videos and can get notifications from the uploader whenever he/she is about to broadcast.</a:t>
+            </a:r>
+          </a:p>
+        </p:txBody>
+      </p:sp>
+    </p:spTree>
+  </p:cSld>
+  <p:clrMapOvr>
+    <a:masterClrMapping/>
+  </p:clrMapOvr>
+  <p:transition spd="med"/>
+  <p:timing>
+    <p:tnLst>
+      <p:par>
+        <p:cTn id="1" dur="indefinite" restart="never" nodeType="tmRoot"/>
+      </p:par>
+    </p:tnLst>
+  </p:timing>
+</p:sld>
+</file>
+
+<file path=ppt/slides/slide11.xml><?xml version="1.0" encoding="utf-8"?>
+<p:sld xmlns:a="http://schemas.openxmlformats.org/drawingml/2006/main" xmlns:r="http://schemas.openxmlformats.org/officeDocument/2006/relationships" xmlns:p="http://schemas.openxmlformats.org/presentationml/2006/main">
+  <p:cSld>
+    <p:spTree>
+      <p:nvGrpSpPr>
+        <p:cNvPr id="1" name=""/>
+        <p:cNvGrpSpPr/>
+        <p:nvPr/>
+      </p:nvGrpSpPr>
+      <p:grpSpPr>
+        <a:xfrm>
+          <a:off x="0" y="0"/>
+          <a:ext cx="0" cy="0"/>
+          <a:chOff x="0" y="0"/>
+          <a:chExt cx="0" cy="0"/>
+        </a:xfrm>
+      </p:grpSpPr>
+      <p:sp>
+        <p:nvSpPr>
+          <p:cNvPr id="46" name="Shape 46"/>
+          <p:cNvSpPr>
+            <a:spLocks noGrp="1"/>
+          </p:cNvSpPr>
+          <p:nvPr>
+            <p:ph type="title"/>
+          </p:nvPr>
+        </p:nvSpPr>
+        <p:spPr>
+          <a:xfrm>
+            <a:off x="457200" y="205978"/>
+            <a:ext cx="8229600" cy="857400"/>
+          </a:xfrm>
+          <a:prstGeom prst="rect">
+            <a:avLst/>
+          </a:prstGeom>
+          <a:extLst>
+            <a:ext uri="{C572A759-6A51-4108-AA02-DFA0A04FC94B}">
+              <ma14:wrappingTextBoxFlag xmlns:ma14="http://schemas.microsoft.com/office/mac/drawingml/2011/main" xmlns="" val="1"/>
+            </a:ext>
+          </a:extLst>
+        </p:spPr>
+        <p:txBody>
+          <a:bodyPr lIns="0" tIns="0" rIns="0" bIns="0">
+            <a:normAutofit/>
+          </a:bodyPr>
+          <a:lstStyle>
+            <a:lvl1pPr algn="ctr">
+              <a:defRPr sz="3000"/>
+            </a:lvl1pPr>
+          </a:lstStyle>
+          <a:p>
+            <a:pPr lvl="0">
+              <a:defRPr sz="1800"/>
+            </a:pPr>
+            <a:r>
+              <a:rPr sz="3000"/>
+              <a:t>Conclusion</a:t>
+            </a:r>
+          </a:p>
+        </p:txBody>
+      </p:sp>
+      <p:sp>
+        <p:nvSpPr>
+          <p:cNvPr id="47" name="Shape 47"/>
+          <p:cNvSpPr>
+            <a:spLocks noGrp="1"/>
+          </p:cNvSpPr>
+          <p:nvPr>
+            <p:ph type="body" idx="1"/>
+          </p:nvPr>
+        </p:nvSpPr>
+        <p:spPr>
+          <a:xfrm>
+            <a:off x="457200" y="1200150"/>
+            <a:ext cx="8229600" cy="3725699"/>
+          </a:xfrm>
+          <a:prstGeom prst="rect">
+            <a:avLst/>
+          </a:prstGeom>
+          <a:extLst>
+            <a:ext uri="{C572A759-6A51-4108-AA02-DFA0A04FC94B}">
+              <ma14:wrappingTextBoxFlag xmlns:ma14="http://schemas.microsoft.com/office/mac/drawingml/2011/main" xmlns="" val="1"/>
+            </a:ext>
+          </a:extLst>
+        </p:spPr>
+        <p:txBody>
+          <a:bodyPr lIns="0" tIns="0" rIns="0" bIns="0">
+            <a:normAutofit/>
+          </a:bodyPr>
+          <a:lstStyle/>
+          <a:p>
+            <a:pPr marL="555171" lvl="0" indent="-440871">
+              <a:buClr>
+                <a:srgbClr val="000000"/>
+              </a:buClr>
+              <a:buSzPct val="100000"/>
+              <a:buFont typeface="Arial"/>
+              <a:buChar char="●"/>
+              <a:defRPr sz="1800"/>
+            </a:pPr>
+            <a:r>
+              <a:t>This project is about user being able to do interactive video conferencing and being able to broadcast it to the public. </a:t>
+            </a:r>
+          </a:p>
+          <a:p>
+            <a:pPr marL="555171" lvl="0" indent="-440871">
+              <a:buClr>
+                <a:srgbClr val="000000"/>
+              </a:buClr>
+              <a:buSzPct val="100000"/>
+              <a:buFont typeface="Arial"/>
+              <a:buChar char="●"/>
+              <a:defRPr sz="1800"/>
+            </a:pPr>
+            <a:r>
+              <a:t>The recordings will be available of the session.So, that the users can view it again later.</a:t>
+            </a:r>
+          </a:p>
+          <a:p>
+            <a:pPr marL="555171" lvl="0" indent="-440871">
+              <a:buClr>
+                <a:srgbClr val="000000"/>
+              </a:buClr>
+              <a:buSzPct val="100000"/>
+              <a:buFont typeface="Arial"/>
+              <a:buChar char="●"/>
+              <a:defRPr sz="1800"/>
+            </a:pPr>
+            <a:r>
+              <a:t>Only the signed-in users will have the authority to broadcast videos and can attend the on-going events but any users can view the recorded videos.</a:t>
+            </a:r>
+          </a:p>
+          <a:p>
+            <a:pPr marL="555171" lvl="0" indent="-440871">
+              <a:buClr>
+                <a:srgbClr val="000000"/>
+              </a:buClr>
+              <a:buSzPct val="100000"/>
+              <a:buFont typeface="Arial"/>
+              <a:buChar char="●"/>
+              <a:defRPr sz="1800"/>
+            </a:pPr>
+            <a:r>
+              <a:t>The video conferencing would be achieved using webRTC and the web app hosted on ASU MobiCloud environment. </a:t>
+            </a:r>
+          </a:p>
+          <a:p>
+            <a:pPr marL="555171" lvl="0" indent="-440871">
+              <a:buClr>
+                <a:srgbClr val="000000"/>
+              </a:buClr>
+              <a:buSzPct val="100000"/>
+              <a:buFont typeface="Arial"/>
+              <a:buChar char="●"/>
+              <a:defRPr sz="1800"/>
+            </a:pPr>
+            <a:r>
+              <a:t>The project would be simpler in complexity than Google Hangouts but the main advantage of this project is that it would be plugin free. WebRTC is built right into the browser natively. </a:t>
+            </a:r>
+          </a:p>
+        </p:txBody>
+      </p:sp>
+    </p:spTree>
+  </p:cSld>
+  <p:clrMapOvr>
+    <a:masterClrMapping/>
+  </p:clrMapOvr>
+  <p:transition spd="med"/>
+  <p:timing>
+    <p:tnLst>
+      <p:par>
+        <p:cTn id="1" dur="indefinite" restart="never" nodeType="tmRoot"/>
+      </p:par>
+    </p:tnLst>
+  </p:timing>
 </p:sld>
 </file>
 
 <file path=ppt/slides/slide2.xml><?xml version="1.0" encoding="utf-8"?>
-<p:sld xmlns:a="http://schemas.openxmlformats.org/drawingml/2006/main" xmlns:r="http://schemas.openxmlformats.org/officeDocument/2006/relationships" xmlns:p="http://schemas.openxmlformats.org/presentationml/2006/main" showMasterSp="1" showMasterPhAnim="1">
+<p:sld xmlns:a="http://schemas.openxmlformats.org/drawingml/2006/main" xmlns:r="http://schemas.openxmlformats.org/officeDocument/2006/relationships" xmlns:p="http://schemas.openxmlformats.org/presentationml/2006/main">
   <p:cSld>
     <p:spTree>
       <p:nvGrpSpPr>
@@ -1186,7 +1569,9 @@
       <p:sp>
         <p:nvSpPr>
           <p:cNvPr id="24" name="Shape 24"/>
-          <p:cNvSpPr/>
+          <p:cNvSpPr>
+            <a:spLocks noGrp="1"/>
+          </p:cNvSpPr>
           <p:nvPr>
             <p:ph type="title"/>
           </p:nvPr>
@@ -1201,13 +1586,13 @@
           </a:prstGeom>
           <a:extLst>
             <a:ext uri="{C572A759-6A51-4108-AA02-DFA0A04FC94B}">
-              <ma14:wrappingTextBoxFlag xmlns:ma14="http://schemas.microsoft.com/office/mac/drawingml/2011/main" val="1"/>
+              <ma14:wrappingTextBoxFlag xmlns:ma14="http://schemas.microsoft.com/office/mac/drawingml/2011/main" xmlns="" val="1"/>
             </a:ext>
           </a:extLst>
         </p:spPr>
         <p:txBody>
           <a:bodyPr lIns="0" tIns="0" rIns="0" bIns="0">
-            <a:normAutofit fontScale="100000" lnSpcReduction="0"/>
+            <a:normAutofit/>
           </a:bodyPr>
           <a:lstStyle>
             <a:lvl1pPr algn="ctr">
@@ -1228,7 +1613,9 @@
       <p:sp>
         <p:nvSpPr>
           <p:cNvPr id="25" name="Shape 25"/>
-          <p:cNvSpPr/>
+          <p:cNvSpPr>
+            <a:spLocks noGrp="1"/>
+          </p:cNvSpPr>
           <p:nvPr>
             <p:ph type="body" idx="1"/>
           </p:nvPr>
@@ -1243,13 +1630,13 @@
           </a:prstGeom>
           <a:extLst>
             <a:ext uri="{C572A759-6A51-4108-AA02-DFA0A04FC94B}">
-              <ma14:wrappingTextBoxFlag xmlns:ma14="http://schemas.microsoft.com/office/mac/drawingml/2011/main" val="1"/>
+              <ma14:wrappingTextBoxFlag xmlns:ma14="http://schemas.microsoft.com/office/mac/drawingml/2011/main" xmlns="" val="1"/>
             </a:ext>
           </a:extLst>
         </p:spPr>
         <p:txBody>
           <a:bodyPr lIns="0" tIns="0" rIns="0" bIns="0">
-            <a:normAutofit fontScale="100000" lnSpcReduction="0"/>
+            <a:normAutofit/>
           </a:bodyPr>
           <a:lstStyle/>
           <a:p>
@@ -1266,7 +1653,6 @@
               <a:rPr sz="1820"/>
               <a:t>1) Survey            				</a:t>
             </a:r>
-            <a:endParaRPr sz="1820"/>
           </a:p>
           <a:p>
             <a:pPr lvl="0" defTabSz="832104">
@@ -1276,7 +1662,6 @@
               <a:rPr sz="1820"/>
               <a:t>2) Environment Setup</a:t>
             </a:r>
-            <a:endParaRPr sz="1820"/>
           </a:p>
           <a:p>
             <a:pPr lvl="0" defTabSz="832104">
@@ -1286,7 +1671,6 @@
               <a:rPr sz="1820"/>
               <a:t>3) Requirement Analysis		             </a:t>
             </a:r>
-            <a:endParaRPr sz="1820"/>
           </a:p>
           <a:p>
             <a:pPr lvl="0" defTabSz="832104">
@@ -1296,7 +1680,6 @@
               <a:rPr sz="1820"/>
               <a:t>4) System Design</a:t>
             </a:r>
-            <a:endParaRPr sz="1820"/>
           </a:p>
           <a:p>
             <a:pPr lvl="0" defTabSz="832104">
@@ -1306,7 +1689,6 @@
               <a:rPr sz="1820"/>
               <a:t>5) Implementation			</a:t>
             </a:r>
-            <a:endParaRPr sz="1820"/>
           </a:p>
           <a:p>
             <a:pPr lvl="0" defTabSz="832104">
@@ -1316,7 +1698,6 @@
               <a:rPr sz="1820"/>
               <a:t>	5.1) Responsive Web application.</a:t>
             </a:r>
-            <a:endParaRPr sz="1820"/>
           </a:p>
           <a:p>
             <a:pPr lvl="0" defTabSz="832104">
@@ -1329,7 +1710,6 @@
               <a:rPr sz="1820"/>
               <a:t>	5.2) Setting up user management on the website</a:t>
             </a:r>
-            <a:endParaRPr sz="1820"/>
           </a:p>
           <a:p>
             <a:pPr lvl="0" defTabSz="832104">
@@ -1339,7 +1719,6 @@
               <a:rPr sz="1820"/>
               <a:t>	5.3) Setting up signalling server</a:t>
             </a:r>
-            <a:endParaRPr sz="1820"/>
           </a:p>
           <a:p>
             <a:pPr lvl="0" defTabSz="832104">
@@ -1349,7 +1728,6 @@
               <a:rPr sz="1820"/>
               <a:t>	5.4) Setting up TURN sever</a:t>
             </a:r>
-            <a:endParaRPr sz="1820"/>
           </a:p>
           <a:p>
             <a:pPr lvl="0" defTabSz="832104">
@@ -1359,7 +1737,6 @@
               <a:rPr sz="1820"/>
               <a:t>6) Testing and Re-engineering</a:t>
             </a:r>
-            <a:endParaRPr sz="1820"/>
           </a:p>
           <a:p>
             <a:pPr lvl="0" defTabSz="832104">
@@ -1386,12 +1763,19 @@
   <p:clrMapOvr>
     <a:masterClrMapping/>
   </p:clrMapOvr>
-  <p:transition spd="med" advClick="1"/>
+  <p:transition spd="med"/>
+  <p:timing>
+    <p:tnLst>
+      <p:par>
+        <p:cTn id="1" dur="indefinite" restart="never" nodeType="tmRoot"/>
+      </p:par>
+    </p:tnLst>
+  </p:timing>
 </p:sld>
 </file>
 
 <file path=ppt/slides/slide3.xml><?xml version="1.0" encoding="utf-8"?>
-<p:sld xmlns:a="http://schemas.openxmlformats.org/drawingml/2006/main" xmlns:r="http://schemas.openxmlformats.org/officeDocument/2006/relationships" xmlns:p="http://schemas.openxmlformats.org/presentationml/2006/main" showMasterSp="1" showMasterPhAnim="1">
+<p:sld xmlns:a="http://schemas.openxmlformats.org/drawingml/2006/main" xmlns:r="http://schemas.openxmlformats.org/officeDocument/2006/relationships" xmlns:p="http://schemas.openxmlformats.org/presentationml/2006/main">
   <p:cSld>
     <p:spTree>
       <p:nvGrpSpPr>
@@ -1410,7 +1794,9 @@
       <p:sp>
         <p:nvSpPr>
           <p:cNvPr id="27" name="Shape 27"/>
-          <p:cNvSpPr/>
+          <p:cNvSpPr>
+            <a:spLocks noGrp="1"/>
+          </p:cNvSpPr>
           <p:nvPr>
             <p:ph type="title"/>
           </p:nvPr>
@@ -1425,13 +1811,13 @@
           </a:prstGeom>
           <a:extLst>
             <a:ext uri="{C572A759-6A51-4108-AA02-DFA0A04FC94B}">
-              <ma14:wrappingTextBoxFlag xmlns:ma14="http://schemas.microsoft.com/office/mac/drawingml/2011/main" val="1"/>
+              <ma14:wrappingTextBoxFlag xmlns:ma14="http://schemas.microsoft.com/office/mac/drawingml/2011/main" xmlns="" val="1"/>
             </a:ext>
           </a:extLst>
         </p:spPr>
         <p:txBody>
           <a:bodyPr lIns="0" tIns="0" rIns="0" bIns="0">
-            <a:normAutofit fontScale="100000" lnSpcReduction="0"/>
+            <a:normAutofit/>
           </a:bodyPr>
           <a:lstStyle>
             <a:lvl1pPr algn="ctr">
@@ -1452,7 +1838,9 @@
       <p:sp>
         <p:nvSpPr>
           <p:cNvPr id="28" name="Shape 28"/>
-          <p:cNvSpPr/>
+          <p:cNvSpPr>
+            <a:spLocks noGrp="1"/>
+          </p:cNvSpPr>
           <p:nvPr>
             <p:ph type="body" idx="1"/>
           </p:nvPr>
@@ -1467,26 +1855,48 @@
           </a:prstGeom>
           <a:extLst>
             <a:ext uri="{C572A759-6A51-4108-AA02-DFA0A04FC94B}">
-              <ma14:wrappingTextBoxFlag xmlns:ma14="http://schemas.microsoft.com/office/mac/drawingml/2011/main" val="1"/>
+              <ma14:wrappingTextBoxFlag xmlns:ma14="http://schemas.microsoft.com/office/mac/drawingml/2011/main" xmlns="" val="1"/>
             </a:ext>
           </a:extLst>
         </p:spPr>
         <p:txBody>
           <a:bodyPr lIns="0" tIns="0" rIns="0" bIns="0">
-            <a:normAutofit fontScale="100000" lnSpcReduction="0"/>
+            <a:normAutofit/>
           </a:bodyPr>
           <a:lstStyle/>
           <a:p>
             <a:pPr lvl="0">
               <a:defRPr sz="1800"/>
             </a:pPr>
+            <a:endParaRPr dirty="0"/>
           </a:p>
           <a:p>
             <a:pPr lvl="0">
               <a:defRPr sz="1800"/>
             </a:pPr>
             <a:r>
-              <a:t>Task            		Aman 			Krishnan		Shiva</a:t>
+              <a:rPr dirty="0"/>
+              <a:t>Task            	</a:t>
+            </a:r>
+            <a:r>
+              <a:rPr dirty="0" err="1" smtClean="0"/>
+              <a:t>Aman</a:t>
+            </a:r>
+            <a:r>
+              <a:rPr dirty="0" smtClean="0"/>
+              <a:t> </a:t>
+            </a:r>
+            <a:r>
+              <a:rPr dirty="0"/>
+              <a:t>		</a:t>
+            </a:r>
+            <a:r>
+              <a:rPr dirty="0" smtClean="0"/>
+              <a:t>Krishnan</a:t>
+            </a:r>
+            <a:r>
+              <a:rPr dirty="0"/>
+              <a:t>		Shiva</a:t>
             </a:r>
           </a:p>
           <a:p>
@@ -1494,7 +1904,24 @@
               <a:defRPr sz="1800"/>
             </a:pPr>
             <a:r>
-              <a:t>Task-1			30%				    30%			  40%</a:t>
+              <a:rPr dirty="0"/>
+              <a:t>Task-1		</a:t>
+            </a:r>
+            <a:r>
+              <a:rPr dirty="0" smtClean="0"/>
+              <a:t>30%</a:t>
+            </a:r>
+            <a:r>
+              <a:rPr dirty="0"/>
+              <a:t>		    </a:t>
+            </a:r>
+            <a:r>
+              <a:rPr dirty="0" smtClean="0"/>
+              <a:t>30</a:t>
+            </a:r>
+            <a:r>
+              <a:rPr dirty="0"/>
+              <a:t>%		  40%</a:t>
             </a:r>
           </a:p>
           <a:p>
@@ -1502,7 +1929,16 @@
               <a:defRPr sz="1800"/>
             </a:pPr>
             <a:r>
-              <a:t>Task-2			33%				    33%			  33%</a:t>
+              <a:rPr dirty="0"/>
+              <a:t>Task-2		</a:t>
+            </a:r>
+            <a:r>
+              <a:rPr dirty="0" smtClean="0"/>
+              <a:t>33</a:t>
+            </a:r>
+            <a:r>
+              <a:rPr dirty="0"/>
+              <a:t>%		    33%		  33%</a:t>
             </a:r>
           </a:p>
           <a:p>
@@ -1510,7 +1946,16 @@
               <a:defRPr sz="1800"/>
             </a:pPr>
             <a:r>
-              <a:t>Task-3			33%               	    33%           	  33%</a:t>
+              <a:rPr dirty="0"/>
+              <a:t>Task-3		</a:t>
+            </a:r>
+            <a:r>
+              <a:rPr dirty="0" smtClean="0"/>
+              <a:t>33</a:t>
+            </a:r>
+            <a:r>
+              <a:rPr dirty="0"/>
+              <a:t>%               	    33%           	  33%</a:t>
             </a:r>
           </a:p>
           <a:p>
@@ -1518,7 +1963,16 @@
               <a:defRPr sz="1800"/>
             </a:pPr>
             <a:r>
-              <a:t>Task-4 			40%				    30%			  30%</a:t>
+              <a:rPr dirty="0"/>
+              <a:t>Task-4 		</a:t>
+            </a:r>
+            <a:r>
+              <a:rPr dirty="0" smtClean="0"/>
+              <a:t>40%</a:t>
+            </a:r>
+            <a:r>
+              <a:rPr dirty="0"/>
+              <a:t>		    30%		  30%</a:t>
             </a:r>
           </a:p>
           <a:p>
@@ -1526,7 +1980,32 @@
               <a:defRPr sz="1800"/>
             </a:pPr>
             <a:r>
-              <a:t>Task-5 			33%			      	    33%		   	  33%</a:t>
+              <a:rPr dirty="0"/>
+              <a:t>Task-5 		</a:t>
+            </a:r>
+            <a:r>
+              <a:rPr dirty="0" smtClean="0"/>
+              <a:t>33</a:t>
+            </a:r>
+            <a:r>
+              <a:rPr dirty="0"/>
+              <a:t>%	</a:t>
+            </a:r>
+            <a:r>
+              <a:rPr dirty="0" smtClean="0"/>
+              <a:t>      </a:t>
+            </a:r>
+            <a:r>
+              <a:rPr dirty="0"/>
+              <a:t>	    33</a:t>
+            </a:r>
+            <a:r>
+              <a:rPr dirty="0" smtClean="0"/>
+              <a:t>%</a:t>
+            </a:r>
+            <a:r>
+              <a:rPr dirty="0"/>
+              <a:t>		  33%</a:t>
             </a:r>
           </a:p>
           <a:p>
@@ -1534,7 +2013,40 @@
               <a:defRPr sz="1800"/>
             </a:pPr>
             <a:r>
-              <a:t>Task-6			30%				    40%		         30%</a:t>
+              <a:rPr dirty="0"/>
+              <a:t>Task-6	</a:t>
+            </a:r>
+            <a:r>
+              <a:rPr lang="en-US" dirty="0" smtClean="0"/>
+              <a:t>              </a:t>
+            </a:r>
+            <a:r>
+              <a:rPr dirty="0" smtClean="0"/>
+              <a:t>30</a:t>
+            </a:r>
+            <a:r>
+              <a:rPr dirty="0"/>
+              <a:t>%		</a:t>
+            </a:r>
+            <a:r>
+              <a:rPr dirty="0" smtClean="0"/>
+              <a:t>    </a:t>
+            </a:r>
+            <a:r>
+              <a:rPr dirty="0"/>
+              <a:t>40%	</a:t>
+            </a:r>
+            <a:r>
+              <a:rPr lang="en-US" dirty="0" smtClean="0"/>
+              <a:t>       </a:t>
+            </a:r>
+            <a:r>
+              <a:rPr dirty="0" smtClean="0"/>
+              <a:t>         </a:t>
+            </a:r>
+            <a:r>
+              <a:rPr dirty="0"/>
+              <a:t>30%</a:t>
             </a:r>
           </a:p>
         </p:txBody>
@@ -1544,12 +2056,19 @@
   <p:clrMapOvr>
     <a:masterClrMapping/>
   </p:clrMapOvr>
-  <p:transition spd="med" advClick="1"/>
+  <p:transition spd="med"/>
+  <p:timing>
+    <p:tnLst>
+      <p:par>
+        <p:cTn id="1" dur="indefinite" restart="never" nodeType="tmRoot"/>
+      </p:par>
+    </p:tnLst>
+  </p:timing>
 </p:sld>
 </file>
 
 <file path=ppt/slides/slide4.xml><?xml version="1.0" encoding="utf-8"?>
-<p:sld xmlns:a="http://schemas.openxmlformats.org/drawingml/2006/main" xmlns:r="http://schemas.openxmlformats.org/officeDocument/2006/relationships" xmlns:p="http://schemas.openxmlformats.org/presentationml/2006/main" showMasterSp="1" showMasterPhAnim="1">
+<p:sld xmlns:a="http://schemas.openxmlformats.org/drawingml/2006/main" xmlns:r="http://schemas.openxmlformats.org/officeDocument/2006/relationships" xmlns:p="http://schemas.openxmlformats.org/presentationml/2006/main">
   <p:cSld>
     <p:spTree>
       <p:nvGrpSpPr>
@@ -1568,7 +2087,9 @@
       <p:sp>
         <p:nvSpPr>
           <p:cNvPr id="30" name="Shape 30"/>
-          <p:cNvSpPr/>
+          <p:cNvSpPr>
+            <a:spLocks noGrp="1"/>
+          </p:cNvSpPr>
           <p:nvPr>
             <p:ph type="title"/>
           </p:nvPr>
@@ -1583,13 +2104,13 @@
           </a:prstGeom>
           <a:extLst>
             <a:ext uri="{C572A759-6A51-4108-AA02-DFA0A04FC94B}">
-              <ma14:wrappingTextBoxFlag xmlns:ma14="http://schemas.microsoft.com/office/mac/drawingml/2011/main" val="1"/>
+              <ma14:wrappingTextBoxFlag xmlns:ma14="http://schemas.microsoft.com/office/mac/drawingml/2011/main" xmlns="" val="1"/>
             </a:ext>
           </a:extLst>
         </p:spPr>
         <p:txBody>
           <a:bodyPr lIns="0" tIns="0" rIns="0" bIns="0">
-            <a:normAutofit fontScale="100000" lnSpcReduction="0"/>
+            <a:normAutofit/>
           </a:bodyPr>
           <a:lstStyle>
             <a:lvl1pPr algn="ctr">
@@ -1610,7 +2131,9 @@
       <p:sp>
         <p:nvSpPr>
           <p:cNvPr id="31" name="Shape 31"/>
-          <p:cNvSpPr/>
+          <p:cNvSpPr>
+            <a:spLocks noGrp="1"/>
+          </p:cNvSpPr>
           <p:nvPr>
             <p:ph type="body" idx="1"/>
           </p:nvPr>
@@ -1625,13 +2148,13 @@
           </a:prstGeom>
           <a:extLst>
             <a:ext uri="{C572A759-6A51-4108-AA02-DFA0A04FC94B}">
-              <ma14:wrappingTextBoxFlag xmlns:ma14="http://schemas.microsoft.com/office/mac/drawingml/2011/main" val="1"/>
+              <ma14:wrappingTextBoxFlag xmlns:ma14="http://schemas.microsoft.com/office/mac/drawingml/2011/main" xmlns="" val="1"/>
             </a:ext>
           </a:extLst>
         </p:spPr>
         <p:txBody>
           <a:bodyPr lIns="0" tIns="0" rIns="0" bIns="0">
-            <a:normAutofit fontScale="100000" lnSpcReduction="0"/>
+            <a:normAutofit/>
           </a:bodyPr>
           <a:lstStyle/>
           <a:p>
@@ -1643,7 +2166,7 @@
             </a:r>
           </a:p>
           <a:p>
-            <a:pPr lvl="0" marL="457200" indent="-317500">
+            <a:pPr marL="457200" lvl="0" indent="-317500">
               <a:lnSpc>
                 <a:spcPct val="115000"/>
               </a:lnSpc>
@@ -1659,10 +2182,9 @@
               <a:rPr sz="1400"/>
               <a:t>webRTC API</a:t>
             </a:r>
-            <a:endParaRPr sz="1400"/>
-          </a:p>
-          <a:p>
-            <a:pPr lvl="0" marL="457200" indent="-317500">
+          </a:p>
+          <a:p>
+            <a:pPr marL="457200" lvl="0" indent="-317500">
               <a:lnSpc>
                 <a:spcPct val="115000"/>
               </a:lnSpc>
@@ -1678,10 +2200,9 @@
               <a:rPr sz="1400"/>
               <a:t>HTML5/CSS3</a:t>
             </a:r>
-            <a:endParaRPr sz="1400"/>
-          </a:p>
-          <a:p>
-            <a:pPr lvl="0" marL="457200" indent="-317500">
+          </a:p>
+          <a:p>
+            <a:pPr marL="457200" lvl="0" indent="-317500">
               <a:lnSpc>
                 <a:spcPct val="115000"/>
               </a:lnSpc>
@@ -1697,10 +2218,9 @@
               <a:rPr sz="1400"/>
               <a:t>Twitter Bootstrap</a:t>
             </a:r>
-            <a:endParaRPr sz="1400"/>
-          </a:p>
-          <a:p>
-            <a:pPr lvl="0" marL="457200" indent="-317500">
+          </a:p>
+          <a:p>
+            <a:pPr marL="457200" lvl="0" indent="-317500">
               <a:lnSpc>
                 <a:spcPct val="115000"/>
               </a:lnSpc>
@@ -1716,10 +2236,9 @@
               <a:rPr sz="1400"/>
               <a:t>JavaScript</a:t>
             </a:r>
-            <a:endParaRPr sz="1400"/>
-          </a:p>
-          <a:p>
-            <a:pPr lvl="0" marL="457200" indent="-317500">
+          </a:p>
+          <a:p>
+            <a:pPr marL="457200" lvl="0" indent="-317500">
               <a:lnSpc>
                 <a:spcPct val="115000"/>
               </a:lnSpc>
@@ -1735,10 +2254,9 @@
               <a:rPr sz="1400"/>
               <a:t>PHP</a:t>
             </a:r>
-            <a:endParaRPr sz="1400"/>
-          </a:p>
-          <a:p>
-            <a:pPr lvl="0" marL="457200" indent="-317500">
+          </a:p>
+          <a:p>
+            <a:pPr marL="457200" lvl="0" indent="-317500">
               <a:lnSpc>
                 <a:spcPct val="115000"/>
               </a:lnSpc>
@@ -1754,10 +2272,9 @@
               <a:rPr sz="1400"/>
               <a:t>Node.js / node packages express.js. socket.io</a:t>
             </a:r>
-            <a:endParaRPr sz="1400"/>
-          </a:p>
-          <a:p>
-            <a:pPr lvl="0" marL="457200" indent="-317500">
+          </a:p>
+          <a:p>
+            <a:pPr marL="457200" lvl="0" indent="-317500">
               <a:lnSpc>
                 <a:spcPct val="115000"/>
               </a:lnSpc>
@@ -1773,10 +2290,9 @@
               <a:rPr sz="1400"/>
               <a:t>MySQL database</a:t>
             </a:r>
-            <a:endParaRPr sz="1400"/>
-          </a:p>
-          <a:p>
-            <a:pPr lvl="0" marL="457200" indent="-317500">
+          </a:p>
+          <a:p>
+            <a:pPr marL="457200" lvl="0" indent="-317500">
               <a:lnSpc>
                 <a:spcPct val="115000"/>
               </a:lnSpc>
@@ -1800,12 +2316,19 @@
   <p:clrMapOvr>
     <a:masterClrMapping/>
   </p:clrMapOvr>
-  <p:transition spd="med" advClick="1"/>
+  <p:transition spd="med"/>
+  <p:timing>
+    <p:tnLst>
+      <p:par>
+        <p:cTn id="1" dur="indefinite" restart="never" nodeType="tmRoot"/>
+      </p:par>
+    </p:tnLst>
+  </p:timing>
 </p:sld>
 </file>
 
 <file path=ppt/slides/slide5.xml><?xml version="1.0" encoding="utf-8"?>
-<p:sld xmlns:a="http://schemas.openxmlformats.org/drawingml/2006/main" xmlns:r="http://schemas.openxmlformats.org/officeDocument/2006/relationships" xmlns:p="http://schemas.openxmlformats.org/presentationml/2006/main" showMasterSp="1" showMasterPhAnim="1">
+<p:sld xmlns:a="http://schemas.openxmlformats.org/drawingml/2006/main" xmlns:r="http://schemas.openxmlformats.org/officeDocument/2006/relationships" xmlns:p="http://schemas.openxmlformats.org/presentationml/2006/main">
   <p:cSld>
     <p:spTree>
       <p:nvGrpSpPr>
@@ -1824,7 +2347,9 @@
       <p:sp>
         <p:nvSpPr>
           <p:cNvPr id="33" name="Shape 33"/>
-          <p:cNvSpPr/>
+          <p:cNvSpPr>
+            <a:spLocks noGrp="1"/>
+          </p:cNvSpPr>
           <p:nvPr>
             <p:ph type="title"/>
           </p:nvPr>
@@ -1839,13 +2364,13 @@
           </a:prstGeom>
           <a:extLst>
             <a:ext uri="{C572A759-6A51-4108-AA02-DFA0A04FC94B}">
-              <ma14:wrappingTextBoxFlag xmlns:ma14="http://schemas.microsoft.com/office/mac/drawingml/2011/main" val="1"/>
+              <ma14:wrappingTextBoxFlag xmlns:ma14="http://schemas.microsoft.com/office/mac/drawingml/2011/main" xmlns="" val="1"/>
             </a:ext>
           </a:extLst>
         </p:spPr>
         <p:txBody>
           <a:bodyPr lIns="0" tIns="0" rIns="0" bIns="0">
-            <a:normAutofit fontScale="100000" lnSpcReduction="0"/>
+            <a:normAutofit/>
           </a:bodyPr>
           <a:lstStyle>
             <a:lvl1pPr algn="ctr">
@@ -1857,7 +2382,7 @@
               <a:defRPr sz="1800"/>
             </a:pPr>
             <a:r>
-              <a:rPr sz="3000"/>
+              <a:rPr sz="3000" dirty="0"/>
               <a:t>Technical Details</a:t>
             </a:r>
           </a:p>
@@ -1866,7 +2391,9 @@
       <p:sp>
         <p:nvSpPr>
           <p:cNvPr id="34" name="Shape 34"/>
-          <p:cNvSpPr/>
+          <p:cNvSpPr>
+            <a:spLocks noGrp="1"/>
+          </p:cNvSpPr>
           <p:nvPr>
             <p:ph type="body" idx="1"/>
           </p:nvPr>
@@ -1881,17 +2408,17 @@
           </a:prstGeom>
           <a:extLst>
             <a:ext uri="{C572A759-6A51-4108-AA02-DFA0A04FC94B}">
-              <ma14:wrappingTextBoxFlag xmlns:ma14="http://schemas.microsoft.com/office/mac/drawingml/2011/main" val="1"/>
+              <ma14:wrappingTextBoxFlag xmlns:ma14="http://schemas.microsoft.com/office/mac/drawingml/2011/main" xmlns="" val="1"/>
             </a:ext>
           </a:extLst>
         </p:spPr>
         <p:txBody>
           <a:bodyPr lIns="0" tIns="0" rIns="0" bIns="0">
-            <a:normAutofit fontScale="100000" lnSpcReduction="0"/>
+            <a:normAutofit/>
           </a:bodyPr>
           <a:lstStyle/>
           <a:p>
-            <a:pPr lvl="0" marL="555171" indent="-440871">
+            <a:pPr marL="555171" lvl="0" indent="-440871">
               <a:buClr>
                 <a:srgbClr val="000000"/>
               </a:buClr>
@@ -1932,6 +2459,7 @@
             <a:pPr lvl="0" indent="457200">
               <a:defRPr sz="1800"/>
             </a:pPr>
+            <a:endParaRPr/>
           </a:p>
           <a:p>
             <a:pPr lvl="0" indent="457200">
@@ -1991,12 +2519,19 @@
   <p:clrMapOvr>
     <a:masterClrMapping/>
   </p:clrMapOvr>
-  <p:transition spd="med" advClick="1"/>
+  <p:transition spd="med"/>
+  <p:timing>
+    <p:tnLst>
+      <p:par>
+        <p:cTn id="1" dur="indefinite" restart="never" nodeType="tmRoot"/>
+      </p:par>
+    </p:tnLst>
+  </p:timing>
 </p:sld>
 </file>
 
 <file path=ppt/slides/slide6.xml><?xml version="1.0" encoding="utf-8"?>
-<p:sld xmlns:a="http://schemas.openxmlformats.org/drawingml/2006/main" xmlns:r="http://schemas.openxmlformats.org/officeDocument/2006/relationships" xmlns:p="http://schemas.openxmlformats.org/presentationml/2006/main" showMasterSp="1" showMasterPhAnim="1">
+<p:sld xmlns:a="http://schemas.openxmlformats.org/drawingml/2006/main" xmlns:r="http://schemas.openxmlformats.org/officeDocument/2006/relationships" xmlns:p="http://schemas.openxmlformats.org/presentationml/2006/main">
   <p:cSld>
     <p:spTree>
       <p:nvGrpSpPr>
@@ -2015,7 +2550,9 @@
       <p:sp>
         <p:nvSpPr>
           <p:cNvPr id="37" name="Shape 37"/>
-          <p:cNvSpPr/>
+          <p:cNvSpPr>
+            <a:spLocks noGrp="1"/>
+          </p:cNvSpPr>
           <p:nvPr>
             <p:ph type="title"/>
           </p:nvPr>
@@ -2030,13 +2567,13 @@
           </a:prstGeom>
           <a:extLst>
             <a:ext uri="{C572A759-6A51-4108-AA02-DFA0A04FC94B}">
-              <ma14:wrappingTextBoxFlag xmlns:ma14="http://schemas.microsoft.com/office/mac/drawingml/2011/main" val="1"/>
+              <ma14:wrappingTextBoxFlag xmlns:ma14="http://schemas.microsoft.com/office/mac/drawingml/2011/main" xmlns="" val="1"/>
             </a:ext>
           </a:extLst>
         </p:spPr>
         <p:txBody>
           <a:bodyPr lIns="0" tIns="0" rIns="0" bIns="0">
-            <a:normAutofit fontScale="100000" lnSpcReduction="0"/>
+            <a:normAutofit/>
           </a:bodyPr>
           <a:lstStyle>
             <a:lvl1pPr algn="ctr">
@@ -2057,7 +2594,9 @@
       <p:sp>
         <p:nvSpPr>
           <p:cNvPr id="38" name="Shape 38"/>
-          <p:cNvSpPr/>
+          <p:cNvSpPr>
+            <a:spLocks noGrp="1"/>
+          </p:cNvSpPr>
           <p:nvPr>
             <p:ph type="body" idx="1"/>
           </p:nvPr>
@@ -2072,13 +2611,13 @@
           </a:prstGeom>
           <a:extLst>
             <a:ext uri="{C572A759-6A51-4108-AA02-DFA0A04FC94B}">
-              <ma14:wrappingTextBoxFlag xmlns:ma14="http://schemas.microsoft.com/office/mac/drawingml/2011/main" val="1"/>
+              <ma14:wrappingTextBoxFlag xmlns:ma14="http://schemas.microsoft.com/office/mac/drawingml/2011/main" xmlns="" val="1"/>
             </a:ext>
           </a:extLst>
         </p:spPr>
         <p:txBody>
           <a:bodyPr lIns="0" tIns="0" rIns="0" bIns="0">
-            <a:normAutofit fontScale="100000" lnSpcReduction="0"/>
+            <a:normAutofit/>
           </a:bodyPr>
           <a:lstStyle/>
           <a:p>
@@ -2093,9 +2632,10 @@
             <a:pPr lvl="0">
               <a:defRPr sz="1800"/>
             </a:pPr>
-          </a:p>
-          <a:p>
-            <a:pPr lvl="1" marL="914400" indent="-317500">
+            <a:endParaRPr/>
+          </a:p>
+          <a:p>
+            <a:pPr marL="914400" lvl="1" indent="-317500">
               <a:lnSpc>
                 <a:spcPct val="115000"/>
               </a:lnSpc>
@@ -2103,17 +2643,16 @@
                 <a:srgbClr val="000000"/>
               </a:buClr>
               <a:buSzPct val="100000"/>
-              <a:buAutoNum type="alphaLcPeriod" startAt="1"/>
+              <a:buAutoNum type="alphaLcPeriod"/>
               <a:defRPr sz="1800"/>
             </a:pPr>
             <a:r>
               <a:rPr sz="1400"/>
               <a:t>A customized web site for users to sign in (can sign in through facebook or google plus)</a:t>
             </a:r>
-            <a:endParaRPr sz="1400"/>
-          </a:p>
-          <a:p>
-            <a:pPr lvl="1" marL="914400" indent="-317500">
+          </a:p>
+          <a:p>
+            <a:pPr marL="914400" lvl="1" indent="-317500">
               <a:lnSpc>
                 <a:spcPct val="115000"/>
               </a:lnSpc>
@@ -2121,17 +2660,16 @@
                 <a:srgbClr val="000000"/>
               </a:buClr>
               <a:buSzPct val="100000"/>
-              <a:buAutoNum type="alphaLcPeriod" startAt="1"/>
+              <a:buAutoNum type="alphaLcPeriod"/>
               <a:defRPr sz="1800"/>
             </a:pPr>
             <a:r>
               <a:rPr sz="1400"/>
               <a:t>The users after signing in should be able to watch any video being broadcasted as well as broadcast the videos</a:t>
             </a:r>
-            <a:endParaRPr sz="1400"/>
-          </a:p>
-          <a:p>
-            <a:pPr lvl="1" marL="914400" indent="-317500">
+          </a:p>
+          <a:p>
+            <a:pPr marL="914400" lvl="1" indent="-317500">
               <a:lnSpc>
                 <a:spcPct val="115000"/>
               </a:lnSpc>
@@ -2139,17 +2677,16 @@
                 <a:srgbClr val="000000"/>
               </a:buClr>
               <a:buSzPct val="100000"/>
-              <a:buAutoNum type="alphaLcPeriod" startAt="1"/>
+              <a:buAutoNum type="alphaLcPeriod"/>
               <a:defRPr sz="1800"/>
             </a:pPr>
             <a:r>
               <a:rPr sz="1400"/>
               <a:t>The users before signing in has the privilege of watching pre recorded videos.</a:t>
             </a:r>
-            <a:endParaRPr sz="1400"/>
-          </a:p>
-          <a:p>
-            <a:pPr lvl="1" marL="914400" indent="-317500">
+          </a:p>
+          <a:p>
+            <a:pPr marL="914400" lvl="1" indent="-317500">
               <a:lnSpc>
                 <a:spcPct val="115000"/>
               </a:lnSpc>
@@ -2157,17 +2694,16 @@
                 <a:srgbClr val="000000"/>
               </a:buClr>
               <a:buSzPct val="100000"/>
-              <a:buAutoNum type="alphaLcPeriod" startAt="1"/>
+              <a:buAutoNum type="alphaLcPeriod"/>
               <a:defRPr sz="1800"/>
             </a:pPr>
             <a:r>
               <a:rPr sz="1400"/>
               <a:t>The chatroom can be interactive where the user can chat or raise a question and the broadcaster can respond to the user.</a:t>
             </a:r>
-            <a:endParaRPr sz="1400"/>
-          </a:p>
-          <a:p>
-            <a:pPr lvl="1" marL="914400" indent="-317500">
+          </a:p>
+          <a:p>
+            <a:pPr marL="914400" lvl="1" indent="-317500">
               <a:lnSpc>
                 <a:spcPct val="115000"/>
               </a:lnSpc>
@@ -2175,17 +2711,16 @@
                 <a:srgbClr val="000000"/>
               </a:buClr>
               <a:buSzPct val="100000"/>
-              <a:buAutoNum type="alphaLcPeriod" startAt="1"/>
+              <a:buAutoNum type="alphaLcPeriod"/>
               <a:defRPr sz="1800"/>
             </a:pPr>
             <a:r>
               <a:rPr sz="1400"/>
               <a:t>The signed in user has the option of sending out invites to his/her friends from either facebook or google plus.</a:t>
             </a:r>
-            <a:endParaRPr sz="1400"/>
-          </a:p>
-          <a:p>
-            <a:pPr lvl="1" marL="914400" indent="-317500">
+          </a:p>
+          <a:p>
+            <a:pPr marL="914400" lvl="1" indent="-317500">
               <a:lnSpc>
                 <a:spcPct val="115000"/>
               </a:lnSpc>
@@ -2193,7 +2728,7 @@
                 <a:srgbClr val="000000"/>
               </a:buClr>
               <a:buSzPct val="100000"/>
-              <a:buAutoNum type="alphaLcPeriod" startAt="1"/>
+              <a:buAutoNum type="alphaLcPeriod"/>
               <a:defRPr sz="1800"/>
             </a:pPr>
             <a:r>
@@ -2208,12 +2743,365 @@
   <p:clrMapOvr>
     <a:masterClrMapping/>
   </p:clrMapOvr>
-  <p:transition spd="med" advClick="1"/>
+  <p:transition spd="med"/>
+  <p:timing>
+    <p:tnLst>
+      <p:par>
+        <p:cTn id="1" dur="indefinite" restart="never" nodeType="tmRoot"/>
+      </p:par>
+    </p:tnLst>
+  </p:timing>
 </p:sld>
 </file>
 
 <file path=ppt/slides/slide7.xml><?xml version="1.0" encoding="utf-8"?>
-<p:sld xmlns:a="http://schemas.openxmlformats.org/drawingml/2006/main" xmlns:r="http://schemas.openxmlformats.org/officeDocument/2006/relationships" xmlns:p="http://schemas.openxmlformats.org/presentationml/2006/main" showMasterSp="1" showMasterPhAnim="1">
+<p:sld xmlns:a="http://schemas.openxmlformats.org/drawingml/2006/main" xmlns:r="http://schemas.openxmlformats.org/officeDocument/2006/relationships" xmlns:p="http://schemas.openxmlformats.org/presentationml/2006/main">
+  <p:cSld>
+    <p:spTree>
+      <p:nvGrpSpPr>
+        <p:cNvPr id="1" name=""/>
+        <p:cNvGrpSpPr/>
+        <p:nvPr/>
+      </p:nvGrpSpPr>
+      <p:grpSpPr>
+        <a:xfrm>
+          <a:off x="0" y="0"/>
+          <a:ext cx="0" cy="0"/>
+          <a:chOff x="0" y="0"/>
+          <a:chExt cx="0" cy="0"/>
+        </a:xfrm>
+      </p:grpSpPr>
+      <p:sp>
+        <p:nvSpPr>
+          <p:cNvPr id="2" name="Title 1"/>
+          <p:cNvSpPr>
+            <a:spLocks noGrp="1"/>
+          </p:cNvSpPr>
+          <p:nvPr>
+            <p:ph type="title"/>
+          </p:nvPr>
+        </p:nvSpPr>
+        <p:spPr/>
+        <p:txBody>
+          <a:bodyPr/>
+          <a:lstStyle/>
+          <a:p>
+            <a:pPr algn="ctr"/>
+            <a:r>
+              <a:rPr lang="en-US" sz="2800" dirty="0" smtClean="0"/>
+              <a:t>Tasks Completed</a:t>
+            </a:r>
+            <a:endParaRPr lang="en-US" sz="2800" dirty="0"/>
+          </a:p>
+        </p:txBody>
+      </p:sp>
+      <p:sp>
+        <p:nvSpPr>
+          <p:cNvPr id="3" name="Text Placeholder 2"/>
+          <p:cNvSpPr>
+            <a:spLocks noGrp="1"/>
+          </p:cNvSpPr>
+          <p:nvPr>
+            <p:ph type="body" idx="1"/>
+          </p:nvPr>
+        </p:nvSpPr>
+        <p:spPr/>
+        <p:txBody>
+          <a:bodyPr/>
+          <a:lstStyle/>
+          <a:p>
+            <a:pPr marL="285750" indent="-285750">
+              <a:buFont typeface="Arial" pitchFamily="34" charset="0"/>
+              <a:buChar char="•"/>
+            </a:pPr>
+            <a:r>
+              <a:rPr lang="en-US" dirty="0" smtClean="0"/>
+              <a:t>Home Screen where the user is able to watch pre recorded videos and is given an option to login to the web application where he can join any chat room.</a:t>
+            </a:r>
+          </a:p>
+          <a:p>
+            <a:pPr marL="285750" indent="-285750">
+              <a:buFont typeface="Arial" pitchFamily="34" charset="0"/>
+              <a:buChar char="•"/>
+            </a:pPr>
+            <a:r>
+              <a:rPr lang="en-US" dirty="0" smtClean="0"/>
+              <a:t>Sign up screen where user is able to login or register to our web application.</a:t>
+            </a:r>
+          </a:p>
+          <a:p>
+            <a:pPr marL="285750" indent="-285750">
+              <a:buFont typeface="Arial" pitchFamily="34" charset="0"/>
+              <a:buChar char="•"/>
+            </a:pPr>
+            <a:r>
+              <a:rPr lang="en-US" dirty="0" err="1" smtClean="0"/>
+              <a:t>webRTC</a:t>
+            </a:r>
+            <a:r>
+              <a:rPr lang="en-US" dirty="0" smtClean="0"/>
+              <a:t> video conferencing where the initiator would be able to see all the participants. </a:t>
+            </a:r>
+          </a:p>
+          <a:p>
+            <a:pPr marL="285750" indent="-285750" rtl="0" fontAlgn="base">
+              <a:buFont typeface="Arial" pitchFamily="34" charset="0"/>
+              <a:buChar char="•"/>
+            </a:pPr>
+            <a:r>
+              <a:rPr lang="en-US" dirty="0"/>
+              <a:t>Disable Audio/Disable Video button works by setting the audio stream/video stream to false. Disable video won’t switch off the webcam. </a:t>
+            </a:r>
+          </a:p>
+          <a:p>
+            <a:pPr marL="285750" indent="-285750" rtl="0" fontAlgn="base">
+              <a:buFont typeface="Arial" pitchFamily="34" charset="0"/>
+              <a:buChar char="•"/>
+            </a:pPr>
+            <a:r>
+              <a:rPr lang="en-US" dirty="0"/>
+              <a:t>Snapshot will capture the current frame in the person’s video tag and give the user an option to download the image. </a:t>
+            </a:r>
+          </a:p>
+          <a:p>
+            <a:pPr marL="285750" indent="-285750">
+              <a:buFont typeface="Arial" pitchFamily="34" charset="0"/>
+              <a:buChar char="•"/>
+            </a:pPr>
+            <a:r>
+              <a:rPr lang="en-US" dirty="0" smtClean="0"/>
+              <a:t>Record </a:t>
+            </a:r>
+            <a:r>
+              <a:rPr lang="en-US" dirty="0"/>
+              <a:t>video button provided records audio and video simultaneously but separately. As </a:t>
+            </a:r>
+            <a:r>
+              <a:rPr lang="en-US" dirty="0" err="1"/>
+              <a:t>MediaStreamRecorder</a:t>
+            </a:r>
+            <a:r>
+              <a:rPr lang="en-US" dirty="0"/>
+              <a:t> API has not been implemented in chrome natively we are using RecordRTC.js  which is free open source implementation based on w3c </a:t>
+            </a:r>
+            <a:r>
+              <a:rPr lang="en-US" dirty="0" err="1"/>
+              <a:t>MediaRecorder</a:t>
+            </a:r>
+            <a:r>
+              <a:rPr lang="en-US" dirty="0"/>
+              <a:t> API (which is still in draft). </a:t>
+            </a:r>
+            <a:endParaRPr lang="en-US" dirty="0" smtClean="0"/>
+          </a:p>
+          <a:p>
+            <a:endParaRPr lang="en-US" dirty="0"/>
+          </a:p>
+        </p:txBody>
+      </p:sp>
+    </p:spTree>
+    <p:extLst>
+      <p:ext uri="{BB962C8B-B14F-4D97-AF65-F5344CB8AC3E}">
+        <p14:creationId xmlns:p14="http://schemas.microsoft.com/office/powerpoint/2010/main" val="2948049228"/>
+      </p:ext>
+    </p:extLst>
+  </p:cSld>
+  <p:clrMapOvr>
+    <a:masterClrMapping/>
+  </p:clrMapOvr>
+  <p:transition spd="med"/>
+  <p:timing>
+    <p:tnLst>
+      <p:par>
+        <p:cTn id="1" dur="indefinite" restart="never" nodeType="tmRoot"/>
+      </p:par>
+    </p:tnLst>
+  </p:timing>
+</p:sld>
+</file>
+
+<file path=ppt/slides/slide8.xml><?xml version="1.0" encoding="utf-8"?>
+<p:sld xmlns:a="http://schemas.openxmlformats.org/drawingml/2006/main" xmlns:r="http://schemas.openxmlformats.org/officeDocument/2006/relationships" xmlns:p="http://schemas.openxmlformats.org/presentationml/2006/main">
+  <p:cSld>
+    <p:spTree>
+      <p:nvGrpSpPr>
+        <p:cNvPr id="1" name=""/>
+        <p:cNvGrpSpPr/>
+        <p:nvPr/>
+      </p:nvGrpSpPr>
+      <p:grpSpPr>
+        <a:xfrm>
+          <a:off x="0" y="0"/>
+          <a:ext cx="0" cy="0"/>
+          <a:chOff x="0" y="0"/>
+          <a:chExt cx="0" cy="0"/>
+        </a:xfrm>
+      </p:grpSpPr>
+      <p:sp>
+        <p:nvSpPr>
+          <p:cNvPr id="2" name="Title 1"/>
+          <p:cNvSpPr>
+            <a:spLocks noGrp="1"/>
+          </p:cNvSpPr>
+          <p:nvPr>
+            <p:ph type="title"/>
+          </p:nvPr>
+        </p:nvSpPr>
+        <p:spPr/>
+        <p:txBody>
+          <a:bodyPr/>
+          <a:lstStyle/>
+          <a:p>
+            <a:pPr algn="ctr"/>
+            <a:r>
+              <a:rPr lang="en-US" sz="3000" dirty="0"/>
+              <a:t>Tasks </a:t>
+            </a:r>
+            <a:r>
+              <a:rPr lang="en-US" sz="3000" dirty="0" smtClean="0"/>
+              <a:t>to be Completed</a:t>
+            </a:r>
+            <a:endParaRPr lang="en-US" sz="3000" dirty="0"/>
+          </a:p>
+        </p:txBody>
+      </p:sp>
+      <p:sp>
+        <p:nvSpPr>
+          <p:cNvPr id="3" name="Text Placeholder 2"/>
+          <p:cNvSpPr>
+            <a:spLocks noGrp="1"/>
+          </p:cNvSpPr>
+          <p:nvPr>
+            <p:ph type="body" idx="1"/>
+          </p:nvPr>
+        </p:nvSpPr>
+        <p:spPr/>
+        <p:txBody>
+          <a:bodyPr/>
+          <a:lstStyle/>
+          <a:p>
+            <a:pPr marL="285750" indent="-285750" algn="just">
+              <a:buFont typeface="Arial" pitchFamily="34" charset="0"/>
+              <a:buChar char="•"/>
+            </a:pPr>
+            <a:r>
+              <a:rPr lang="en-US" dirty="0"/>
+              <a:t>Dashboard home page: This page would enable the user to create an event by providing a description of the video and the time/date the event would start. Along with this the user would be given the provision to view pre-recorded videos, and make changes to his profile settings such as email, first name last name etc</a:t>
+            </a:r>
+            <a:r>
+              <a:rPr lang="en-US" dirty="0" smtClean="0"/>
+              <a:t>.</a:t>
+            </a:r>
+          </a:p>
+          <a:p>
+            <a:pPr marL="285750" indent="-285750" algn="just" rtl="0" fontAlgn="base">
+              <a:buFont typeface="Arial" pitchFamily="34" charset="0"/>
+              <a:buChar char="•"/>
+            </a:pPr>
+            <a:r>
+              <a:rPr lang="en-US" dirty="0"/>
+              <a:t>The video tag’s need to be styled. Every participant should see the initiator in a big window whereas themselves in small window much like </a:t>
+            </a:r>
+            <a:r>
+              <a:rPr lang="en-US" dirty="0" err="1"/>
+              <a:t>skype</a:t>
+            </a:r>
+            <a:r>
+              <a:rPr lang="en-US" dirty="0"/>
+              <a:t>. As for the initiator, he should see every participant in an equally big window and himself in a small window. </a:t>
+            </a:r>
+          </a:p>
+          <a:p>
+            <a:pPr marL="285750" indent="-285750" algn="just" rtl="0" fontAlgn="base">
+              <a:buFont typeface="Arial" pitchFamily="34" charset="0"/>
+              <a:buChar char="•"/>
+            </a:pPr>
+            <a:r>
+              <a:rPr lang="en-US" dirty="0"/>
+              <a:t>The pre-recorded will have a poster image from the videos frames instead of common poster image for all the videos.</a:t>
+            </a:r>
+          </a:p>
+          <a:p>
+            <a:pPr marL="285750" indent="-285750" algn="just" rtl="0" fontAlgn="base">
+              <a:buFont typeface="Arial" pitchFamily="34" charset="0"/>
+              <a:buChar char="•"/>
+            </a:pPr>
+            <a:r>
+              <a:rPr lang="en-US" dirty="0"/>
+              <a:t>Since the app is in progress, we could give the user the provision to login through </a:t>
+            </a:r>
+            <a:r>
+              <a:rPr lang="en-US" dirty="0" err="1"/>
+              <a:t>facebook</a:t>
+            </a:r>
+            <a:r>
+              <a:rPr lang="en-US" dirty="0"/>
+              <a:t> or </a:t>
+            </a:r>
+            <a:r>
+              <a:rPr lang="en-US" dirty="0" err="1"/>
+              <a:t>google</a:t>
+            </a:r>
+            <a:r>
+              <a:rPr lang="en-US" dirty="0"/>
+              <a:t>.</a:t>
+            </a:r>
+          </a:p>
+          <a:p>
+            <a:pPr marL="285750" indent="-285750" algn="just" rtl="0" fontAlgn="base">
+              <a:buFont typeface="Arial" pitchFamily="34" charset="0"/>
+              <a:buChar char="•"/>
+            </a:pPr>
+            <a:r>
+              <a:rPr lang="en-US" dirty="0"/>
+              <a:t>Record video button provided records audio and video simultaneously but separately. As </a:t>
+            </a:r>
+            <a:r>
+              <a:rPr lang="en-US" dirty="0" err="1"/>
+              <a:t>MediaRecorder</a:t>
+            </a:r>
+            <a:r>
+              <a:rPr lang="en-US" dirty="0"/>
+              <a:t> API has not been implemented in chrome natively we are using </a:t>
+            </a:r>
+            <a:r>
+              <a:rPr lang="en-US" dirty="0" err="1" smtClean="0"/>
+              <a:t>RecordRTC</a:t>
+            </a:r>
+            <a:r>
+              <a:rPr lang="en-US" dirty="0"/>
+              <a:t>.</a:t>
+            </a:r>
+            <a:endParaRPr lang="en-US" dirty="0"/>
+          </a:p>
+          <a:p>
+            <a:endParaRPr lang="en-US" dirty="0"/>
+          </a:p>
+        </p:txBody>
+      </p:sp>
+    </p:spTree>
+    <p:extLst>
+      <p:ext uri="{BB962C8B-B14F-4D97-AF65-F5344CB8AC3E}">
+        <p14:creationId xmlns:p14="http://schemas.microsoft.com/office/powerpoint/2010/main" val="1000078945"/>
+      </p:ext>
+    </p:extLst>
+  </p:cSld>
+  <p:clrMapOvr>
+    <a:masterClrMapping/>
+  </p:clrMapOvr>
+  <p:transition spd="med"/>
+  <p:timing>
+    <p:tnLst>
+      <p:par>
+        <p:cTn id="1" dur="indefinite" restart="never" nodeType="tmRoot"/>
+      </p:par>
+    </p:tnLst>
+  </p:timing>
+</p:sld>
+</file>
+
+<file path=ppt/slides/slide9.xml><?xml version="1.0" encoding="utf-8"?>
+<p:sld xmlns:a="http://schemas.openxmlformats.org/drawingml/2006/main" xmlns:r="http://schemas.openxmlformats.org/officeDocument/2006/relationships" xmlns:p="http://schemas.openxmlformats.org/presentationml/2006/main">
   <p:cSld>
     <p:spTree>
       <p:nvGrpSpPr>
@@ -2232,7 +3120,9 @@
       <p:sp>
         <p:nvSpPr>
           <p:cNvPr id="40" name="Shape 40"/>
-          <p:cNvSpPr/>
+          <p:cNvSpPr>
+            <a:spLocks noGrp="1"/>
+          </p:cNvSpPr>
           <p:nvPr>
             <p:ph type="title"/>
           </p:nvPr>
@@ -2247,13 +3137,13 @@
           </a:prstGeom>
           <a:extLst>
             <a:ext uri="{C572A759-6A51-4108-AA02-DFA0A04FC94B}">
-              <ma14:wrappingTextBoxFlag xmlns:ma14="http://schemas.microsoft.com/office/mac/drawingml/2011/main" val="1"/>
+              <ma14:wrappingTextBoxFlag xmlns:ma14="http://schemas.microsoft.com/office/mac/drawingml/2011/main" xmlns="" val="1"/>
             </a:ext>
           </a:extLst>
         </p:spPr>
         <p:txBody>
           <a:bodyPr lIns="0" tIns="0" rIns="0" bIns="0">
-            <a:normAutofit fontScale="100000" lnSpcReduction="0"/>
+            <a:normAutofit/>
           </a:bodyPr>
           <a:lstStyle>
             <a:lvl1pPr algn="ctr">
@@ -2274,7 +3164,9 @@
       <p:sp>
         <p:nvSpPr>
           <p:cNvPr id="41" name="Shape 41"/>
-          <p:cNvSpPr/>
+          <p:cNvSpPr>
+            <a:spLocks noGrp="1"/>
+          </p:cNvSpPr>
           <p:nvPr>
             <p:ph type="body" idx="1"/>
           </p:nvPr>
@@ -2289,17 +3181,17 @@
           </a:prstGeom>
           <a:extLst>
             <a:ext uri="{C572A759-6A51-4108-AA02-DFA0A04FC94B}">
-              <ma14:wrappingTextBoxFlag xmlns:ma14="http://schemas.microsoft.com/office/mac/drawingml/2011/main" val="1"/>
+              <ma14:wrappingTextBoxFlag xmlns:ma14="http://schemas.microsoft.com/office/mac/drawingml/2011/main" xmlns="" val="1"/>
             </a:ext>
           </a:extLst>
         </p:spPr>
         <p:txBody>
           <a:bodyPr lIns="0" tIns="0" rIns="0" bIns="0">
-            <a:normAutofit fontScale="100000" lnSpcReduction="0"/>
+            <a:normAutofit/>
           </a:bodyPr>
           <a:lstStyle/>
           <a:p>
-            <a:pPr lvl="0" marL="457200" indent="-317500">
+            <a:pPr marL="457200" lvl="0" indent="-317500">
               <a:lnSpc>
                 <a:spcPct val="115000"/>
               </a:lnSpc>
@@ -2315,10 +3207,9 @@
               <a:rPr sz="1400"/>
               <a:t>Nodes which are behind a NAT server will find it difficult to establish the connection. To avoid this, we would configure TURN server. If lot of traffic starts going to the TURN server then that might crash (Load Balancing is out of scope of the project). It would be a third party server that we would be using, so not having much control over that. </a:t>
             </a:r>
-            <a:endParaRPr sz="1400"/>
-          </a:p>
-          <a:p>
-            <a:pPr lvl="0" marL="457200" indent="-317500">
+          </a:p>
+          <a:p>
+            <a:pPr marL="457200" lvl="0" indent="-317500">
               <a:lnSpc>
                 <a:spcPct val="115000"/>
               </a:lnSpc>
@@ -2334,10 +3225,9 @@
               <a:rPr sz="1400"/>
               <a:t>WebRTC doesn’t enforce a maximum limit on the number of connections which we can establish. So as a result we cannot accurately predict the number of connections before which the system might start to hang. It totally depends on the bandwidth of the users in that session.</a:t>
             </a:r>
-            <a:endParaRPr sz="1400"/>
-          </a:p>
-          <a:p>
-            <a:pPr lvl="0" marL="457200" indent="-317500">
+          </a:p>
+          <a:p>
+            <a:pPr marL="457200" lvl="0" indent="-317500">
               <a:lnSpc>
                 <a:spcPct val="115000"/>
               </a:lnSpc>
@@ -2389,10 +3279,9 @@
               <a:rPr sz="1400"/>
               <a:t>browsers for desktop but not Safari and IE. </a:t>
             </a:r>
-            <a:endParaRPr sz="1400"/>
-          </a:p>
-          <a:p>
-            <a:pPr lvl="0" marL="457200" indent="-317500">
+          </a:p>
+          <a:p>
+            <a:pPr marL="457200" lvl="0" indent="-317500">
               <a:lnSpc>
                 <a:spcPct val="115000"/>
               </a:lnSpc>
@@ -2444,10 +3333,9 @@
               <a:rPr sz="1400"/>
               <a:t>supports webRTC for all android. There isn’t much support for other mobile platforms. </a:t>
             </a:r>
-            <a:endParaRPr sz="1400"/>
-          </a:p>
-          <a:p>
-            <a:pPr lvl="0" marL="457200" indent="-317500">
+          </a:p>
+          <a:p>
+            <a:pPr marL="457200" lvl="0" indent="-317500">
               <a:lnSpc>
                 <a:spcPct val="115000"/>
               </a:lnSpc>
@@ -2471,332 +3359,19 @@
   <p:clrMapOvr>
     <a:masterClrMapping/>
   </p:clrMapOvr>
-  <p:transition spd="med" advClick="1"/>
-</p:sld>
-</file>
-
-<file path=ppt/slides/slide8.xml><?xml version="1.0" encoding="utf-8"?>
-<p:sld xmlns:a="http://schemas.openxmlformats.org/drawingml/2006/main" xmlns:r="http://schemas.openxmlformats.org/officeDocument/2006/relationships" xmlns:p="http://schemas.openxmlformats.org/presentationml/2006/main" showMasterSp="1" showMasterPhAnim="1">
-  <p:cSld>
-    <p:spTree>
-      <p:nvGrpSpPr>
-        <p:cNvPr id="1" name=""/>
-        <p:cNvGrpSpPr/>
-        <p:nvPr/>
-      </p:nvGrpSpPr>
-      <p:grpSpPr>
-        <a:xfrm>
-          <a:off x="0" y="0"/>
-          <a:ext cx="0" cy="0"/>
-          <a:chOff x="0" y="0"/>
-          <a:chExt cx="0" cy="0"/>
-        </a:xfrm>
-      </p:grpSpPr>
-      <p:sp>
-        <p:nvSpPr>
-          <p:cNvPr id="43" name="Shape 43"/>
-          <p:cNvSpPr/>
-          <p:nvPr>
-            <p:ph type="title"/>
-          </p:nvPr>
-        </p:nvSpPr>
-        <p:spPr>
-          <a:xfrm>
-            <a:off x="457200" y="205978"/>
-            <a:ext cx="8229600" cy="857400"/>
-          </a:xfrm>
-          <a:prstGeom prst="rect">
-            <a:avLst/>
-          </a:prstGeom>
-          <a:extLst>
-            <a:ext uri="{C572A759-6A51-4108-AA02-DFA0A04FC94B}">
-              <ma14:wrappingTextBoxFlag xmlns:ma14="http://schemas.microsoft.com/office/mac/drawingml/2011/main" val="1"/>
-            </a:ext>
-          </a:extLst>
-        </p:spPr>
-        <p:txBody>
-          <a:bodyPr lIns="0" tIns="0" rIns="0" bIns="0">
-            <a:normAutofit fontScale="100000" lnSpcReduction="0"/>
-          </a:bodyPr>
-          <a:lstStyle>
-            <a:lvl1pPr algn="ctr">
-              <a:defRPr sz="3000"/>
-            </a:lvl1pPr>
-          </a:lstStyle>
-          <a:p>
-            <a:pPr lvl="0">
-              <a:defRPr sz="1800"/>
-            </a:pPr>
-            <a:r>
-              <a:rPr sz="3000"/>
-              <a:t>Benefits</a:t>
-            </a:r>
-          </a:p>
-        </p:txBody>
-      </p:sp>
-      <p:sp>
-        <p:nvSpPr>
-          <p:cNvPr id="44" name="Shape 44"/>
-          <p:cNvSpPr/>
-          <p:nvPr>
-            <p:ph type="body" idx="1"/>
-          </p:nvPr>
-        </p:nvSpPr>
-        <p:spPr>
-          <a:xfrm>
-            <a:off x="457200" y="1200150"/>
-            <a:ext cx="8229600" cy="3725699"/>
-          </a:xfrm>
-          <a:prstGeom prst="rect">
-            <a:avLst/>
-          </a:prstGeom>
-          <a:extLst>
-            <a:ext uri="{C572A759-6A51-4108-AA02-DFA0A04FC94B}">
-              <ma14:wrappingTextBoxFlag xmlns:ma14="http://schemas.microsoft.com/office/mac/drawingml/2011/main" val="1"/>
-            </a:ext>
-          </a:extLst>
-        </p:spPr>
-        <p:txBody>
-          <a:bodyPr lIns="0" tIns="0" rIns="0" bIns="0">
-            <a:normAutofit fontScale="100000" lnSpcReduction="0"/>
-          </a:bodyPr>
-          <a:lstStyle/>
-          <a:p>
-            <a:pPr lvl="0" marL="555171" indent="-440871">
-              <a:buClr>
-                <a:srgbClr val="000000"/>
-              </a:buClr>
-              <a:buSzPct val="100000"/>
-              <a:buFont typeface="Arial"/>
-              <a:buChar char="●"/>
-              <a:defRPr sz="1800"/>
-            </a:pPr>
-            <a:r>
-              <a:t>Users can watch recorded video in case they miss the live broadcast.</a:t>
-            </a:r>
-          </a:p>
-          <a:p>
-            <a:pPr lvl="0" marL="555171" indent="-440871">
-              <a:buClr>
-                <a:srgbClr val="000000"/>
-              </a:buClr>
-              <a:buSzPct val="100000"/>
-              <a:buFont typeface="Arial"/>
-              <a:buChar char="●"/>
-              <a:defRPr sz="1800"/>
-            </a:pPr>
-            <a:r>
-              <a:t>Users get notifications for videos being broadcasted based on their interests.</a:t>
-            </a:r>
-          </a:p>
-          <a:p>
-            <a:pPr lvl="0" marL="555171" indent="-440871">
-              <a:buClr>
-                <a:srgbClr val="000000"/>
-              </a:buClr>
-              <a:buSzPct val="100000"/>
-              <a:buFont typeface="Arial"/>
-              <a:buChar char="●"/>
-              <a:defRPr sz="1800"/>
-            </a:pPr>
-            <a:r>
-              <a:t>Users can send out invites to facebook or google plus friends to join this broadcasting site.</a:t>
-            </a:r>
-          </a:p>
-          <a:p>
-            <a:pPr lvl="0" marL="555171" indent="-440871">
-              <a:buClr>
-                <a:srgbClr val="000000"/>
-              </a:buClr>
-              <a:buSzPct val="100000"/>
-              <a:buFont typeface="Arial"/>
-              <a:buChar char="●"/>
-              <a:defRPr sz="1800"/>
-            </a:pPr>
-            <a:r>
-              <a:t>Users can subscribe to the videos and can get notifications from the uploader whenever he/she is about to broadcast.</a:t>
-            </a:r>
-          </a:p>
-        </p:txBody>
-      </p:sp>
-    </p:spTree>
-  </p:cSld>
-  <p:clrMapOvr>
-    <a:masterClrMapping/>
-  </p:clrMapOvr>
-  <p:transition spd="med" advClick="1"/>
-</p:sld>
-</file>
-
-<file path=ppt/slides/slide9.xml><?xml version="1.0" encoding="utf-8"?>
-<p:sld xmlns:a="http://schemas.openxmlformats.org/drawingml/2006/main" xmlns:r="http://schemas.openxmlformats.org/officeDocument/2006/relationships" xmlns:p="http://schemas.openxmlformats.org/presentationml/2006/main" showMasterSp="1" showMasterPhAnim="1">
-  <p:cSld>
-    <p:spTree>
-      <p:nvGrpSpPr>
-        <p:cNvPr id="1" name=""/>
-        <p:cNvGrpSpPr/>
-        <p:nvPr/>
-      </p:nvGrpSpPr>
-      <p:grpSpPr>
-        <a:xfrm>
-          <a:off x="0" y="0"/>
-          <a:ext cx="0" cy="0"/>
-          <a:chOff x="0" y="0"/>
-          <a:chExt cx="0" cy="0"/>
-        </a:xfrm>
-      </p:grpSpPr>
-      <p:sp>
-        <p:nvSpPr>
-          <p:cNvPr id="46" name="Shape 46"/>
-          <p:cNvSpPr/>
-          <p:nvPr>
-            <p:ph type="title"/>
-          </p:nvPr>
-        </p:nvSpPr>
-        <p:spPr>
-          <a:xfrm>
-            <a:off x="457200" y="205978"/>
-            <a:ext cx="8229600" cy="857400"/>
-          </a:xfrm>
-          <a:prstGeom prst="rect">
-            <a:avLst/>
-          </a:prstGeom>
-          <a:extLst>
-            <a:ext uri="{C572A759-6A51-4108-AA02-DFA0A04FC94B}">
-              <ma14:wrappingTextBoxFlag xmlns:ma14="http://schemas.microsoft.com/office/mac/drawingml/2011/main" val="1"/>
-            </a:ext>
-          </a:extLst>
-        </p:spPr>
-        <p:txBody>
-          <a:bodyPr lIns="0" tIns="0" rIns="0" bIns="0">
-            <a:normAutofit fontScale="100000" lnSpcReduction="0"/>
-          </a:bodyPr>
-          <a:lstStyle>
-            <a:lvl1pPr algn="ctr">
-              <a:defRPr sz="3000"/>
-            </a:lvl1pPr>
-          </a:lstStyle>
-          <a:p>
-            <a:pPr lvl="0">
-              <a:defRPr sz="1800"/>
-            </a:pPr>
-            <a:r>
-              <a:rPr sz="3000"/>
-              <a:t>Conclusion</a:t>
-            </a:r>
-          </a:p>
-        </p:txBody>
-      </p:sp>
-      <p:sp>
-        <p:nvSpPr>
-          <p:cNvPr id="47" name="Shape 47"/>
-          <p:cNvSpPr/>
-          <p:nvPr>
-            <p:ph type="body" idx="1"/>
-          </p:nvPr>
-        </p:nvSpPr>
-        <p:spPr>
-          <a:xfrm>
-            <a:off x="457200" y="1200150"/>
-            <a:ext cx="8229600" cy="3725699"/>
-          </a:xfrm>
-          <a:prstGeom prst="rect">
-            <a:avLst/>
-          </a:prstGeom>
-          <a:extLst>
-            <a:ext uri="{C572A759-6A51-4108-AA02-DFA0A04FC94B}">
-              <ma14:wrappingTextBoxFlag xmlns:ma14="http://schemas.microsoft.com/office/mac/drawingml/2011/main" val="1"/>
-            </a:ext>
-          </a:extLst>
-        </p:spPr>
-        <p:txBody>
-          <a:bodyPr lIns="0" tIns="0" rIns="0" bIns="0">
-            <a:normAutofit fontScale="100000" lnSpcReduction="0"/>
-          </a:bodyPr>
-          <a:lstStyle/>
-          <a:p>
-            <a:pPr lvl="0" marL="555171" indent="-440871">
-              <a:buClr>
-                <a:srgbClr val="000000"/>
-              </a:buClr>
-              <a:buSzPct val="100000"/>
-              <a:buFont typeface="Arial"/>
-              <a:buChar char="●"/>
-              <a:defRPr sz="1800"/>
-            </a:pPr>
-            <a:r>
-              <a:t>This project is about user being able to do interactive video conferencing and being able to broadcast it to the public. </a:t>
-            </a:r>
-          </a:p>
-          <a:p>
-            <a:pPr lvl="0" marL="555171" indent="-440871">
-              <a:buClr>
-                <a:srgbClr val="000000"/>
-              </a:buClr>
-              <a:buSzPct val="100000"/>
-              <a:buFont typeface="Arial"/>
-              <a:buChar char="●"/>
-              <a:defRPr sz="1800"/>
-            </a:pPr>
-            <a:r>
-              <a:t>The recordings will be available of the session.So, that the users can view it again later.</a:t>
-            </a:r>
-          </a:p>
-          <a:p>
-            <a:pPr lvl="0" marL="555171" indent="-440871">
-              <a:buClr>
-                <a:srgbClr val="000000"/>
-              </a:buClr>
-              <a:buSzPct val="100000"/>
-              <a:buFont typeface="Arial"/>
-              <a:buChar char="●"/>
-              <a:defRPr sz="1800"/>
-            </a:pPr>
-            <a:r>
-              <a:t>Only the signed-in users will have the authority to broadcast videos and can attend the on-going events but any users can view the recorded videos.</a:t>
-            </a:r>
-          </a:p>
-          <a:p>
-            <a:pPr lvl="0" marL="555171" indent="-440871">
-              <a:buClr>
-                <a:srgbClr val="000000"/>
-              </a:buClr>
-              <a:buSzPct val="100000"/>
-              <a:buFont typeface="Arial"/>
-              <a:buChar char="●"/>
-              <a:defRPr sz="1800"/>
-            </a:pPr>
-            <a:r>
-              <a:t>The video conferencing would be achieved using webRTC and the web app hosted on ASU MobiCloud environment. </a:t>
-            </a:r>
-          </a:p>
-          <a:p>
-            <a:pPr lvl="0" marL="555171" indent="-440871">
-              <a:buClr>
-                <a:srgbClr val="000000"/>
-              </a:buClr>
-              <a:buSzPct val="100000"/>
-              <a:buFont typeface="Arial"/>
-              <a:buChar char="●"/>
-              <a:defRPr sz="1800"/>
-            </a:pPr>
-            <a:r>
-              <a:t>The project would be simpler in complexity than Google Hangouts but the main advantage of this project is that it would be plugin free. WebRTC is built right into the browser natively. </a:t>
-            </a:r>
-          </a:p>
-        </p:txBody>
-      </p:sp>
-    </p:spTree>
-  </p:cSld>
-  <p:clrMapOvr>
-    <a:masterClrMapping/>
-  </p:clrMapOvr>
-  <p:transition spd="med" advClick="1"/>
+  <p:transition spd="med"/>
+  <p:timing>
+    <p:tnLst>
+      <p:par>
+        <p:cTn id="1" dur="indefinite" restart="never" nodeType="tmRoot"/>
+      </p:par>
+    </p:tnLst>
+  </p:timing>
 </p:sld>
 </file>
 
 <file path=ppt/theme/theme1.xml><?xml version="1.0" encoding="utf-8"?>
-<a:theme xmlns:a="http://schemas.openxmlformats.org/drawingml/2006/main" xmlns:r="http://schemas.openxmlformats.org/officeDocument/2006/relationships" name="Default">
+<a:theme xmlns:a="http://schemas.openxmlformats.org/drawingml/2006/main" name="Default">
   <a:themeElements>
     <a:clrScheme name="Default">
       <a:dk1>
@@ -2922,7 +3497,7 @@
       <a:effectStyleLst>
         <a:effectStyle>
           <a:effectLst>
-            <a:outerShdw sx="100000" sy="100000" kx="0" ky="0" algn="b" rotWithShape="0" blurRad="38100" dist="23000" dir="5400000">
+            <a:outerShdw blurRad="38100" dist="23000" dir="5400000" rotWithShape="0">
               <a:srgbClr val="000000">
                 <a:alpha val="35000"/>
               </a:srgbClr>
@@ -2931,7 +3506,7 @@
         </a:effectStyle>
         <a:effectStyle>
           <a:effectLst>
-            <a:outerShdw sx="100000" sy="100000" kx="0" ky="0" algn="b" rotWithShape="0" blurRad="38100" dist="23000" dir="5400000">
+            <a:outerShdw blurRad="38100" dist="23000" dir="5400000" rotWithShape="0">
               <a:srgbClr val="000000">
                 <a:alpha val="35000"/>
               </a:srgbClr>
@@ -2940,7 +3515,7 @@
         </a:effectStyle>
         <a:effectStyle>
           <a:effectLst>
-            <a:outerShdw sx="100000" sy="100000" kx="0" ky="0" algn="b" rotWithShape="0" blurRad="38100" dist="20000" dir="5400000">
+            <a:outerShdw blurRad="38100" dist="20000" dir="5400000" rotWithShape="0">
               <a:srgbClr val="000000">
                 <a:alpha val="38000"/>
               </a:srgbClr>
@@ -3014,14 +3589,14 @@
           <a:bevel/>
         </a:ln>
         <a:effectLst>
-          <a:outerShdw sx="100000" sy="100000" kx="0" ky="0" algn="b" rotWithShape="0" blurRad="38100" dist="23000" dir="5400000">
+          <a:outerShdw blurRad="38100" dist="23000" dir="5400000" rotWithShape="0">
             <a:srgbClr val="000000">
               <a:alpha val="35000"/>
             </a:srgbClr>
           </a:outerShdw>
         </a:effectLst>
       </a:spPr>
-      <a:bodyPr rot="0" spcFirstLastPara="1" vertOverflow="overflow" horzOverflow="overflow" vert="horz" wrap="square" lIns="45719" tIns="45719" rIns="45719" bIns="45719" numCol="1" spcCol="38100" rtlCol="0" anchor="ctr" upright="0">
+      <a:bodyPr rot="0" spcFirstLastPara="1" vertOverflow="overflow" horzOverflow="overflow" vert="horz" wrap="square" lIns="45719" tIns="45719" rIns="45719" bIns="45719" numCol="1" spcCol="38100" rtlCol="0" anchor="ctr">
         <a:spAutoFit/>
       </a:bodyPr>
       <a:lstStyle>
@@ -3040,7 +3615,7 @@
           <a:buFontTx/>
           <a:buNone/>
           <a:tabLst/>
-          <a:defRPr b="0" baseline="0" cap="none" i="0" spc="0" strike="noStrike" sz="1400" u="none" kumimoji="0" normalizeH="0">
+          <a:defRPr kumimoji="0" sz="1400" b="0" i="0" u="none" strike="noStrike" cap="none" spc="0" normalizeH="0" baseline="0">
             <a:ln>
               <a:noFill/>
             </a:ln>
@@ -3070,7 +3645,7 @@
           <a:buFontTx/>
           <a:buNone/>
           <a:tabLst/>
-          <a:defRPr b="0" baseline="0" cap="none" i="0" spc="0" strike="noStrike" sz="1800" u="none" kumimoji="0" normalizeH="0">
+          <a:defRPr kumimoji="0" sz="1800" b="0" i="0" u="none" strike="noStrike" cap="none" spc="0" normalizeH="0" baseline="0">
             <a:ln>
               <a:noFill/>
             </a:ln>
@@ -3096,7 +3671,7 @@
           <a:buFontTx/>
           <a:buNone/>
           <a:tabLst/>
-          <a:defRPr b="0" baseline="0" cap="none" i="0" spc="0" strike="noStrike" sz="1800" u="none" kumimoji="0" normalizeH="0">
+          <a:defRPr kumimoji="0" sz="1800" b="0" i="0" u="none" strike="noStrike" cap="none" spc="0" normalizeH="0" baseline="0">
             <a:ln>
               <a:noFill/>
             </a:ln>
@@ -3122,7 +3697,7 @@
           <a:buFontTx/>
           <a:buNone/>
           <a:tabLst/>
-          <a:defRPr b="0" baseline="0" cap="none" i="0" spc="0" strike="noStrike" sz="1800" u="none" kumimoji="0" normalizeH="0">
+          <a:defRPr kumimoji="0" sz="1800" b="0" i="0" u="none" strike="noStrike" cap="none" spc="0" normalizeH="0" baseline="0">
             <a:ln>
               <a:noFill/>
             </a:ln>
@@ -3148,7 +3723,7 @@
           <a:buFontTx/>
           <a:buNone/>
           <a:tabLst/>
-          <a:defRPr b="0" baseline="0" cap="none" i="0" spc="0" strike="noStrike" sz="1800" u="none" kumimoji="0" normalizeH="0">
+          <a:defRPr kumimoji="0" sz="1800" b="0" i="0" u="none" strike="noStrike" cap="none" spc="0" normalizeH="0" baseline="0">
             <a:ln>
               <a:noFill/>
             </a:ln>
@@ -3174,7 +3749,7 @@
           <a:buFontTx/>
           <a:buNone/>
           <a:tabLst/>
-          <a:defRPr b="0" baseline="0" cap="none" i="0" spc="0" strike="noStrike" sz="1800" u="none" kumimoji="0" normalizeH="0">
+          <a:defRPr kumimoji="0" sz="1800" b="0" i="0" u="none" strike="noStrike" cap="none" spc="0" normalizeH="0" baseline="0">
             <a:ln>
               <a:noFill/>
             </a:ln>
@@ -3200,7 +3775,7 @@
           <a:buFontTx/>
           <a:buNone/>
           <a:tabLst/>
-          <a:defRPr b="0" baseline="0" cap="none" i="0" spc="0" strike="noStrike" sz="1800" u="none" kumimoji="0" normalizeH="0">
+          <a:defRPr kumimoji="0" sz="1800" b="0" i="0" u="none" strike="noStrike" cap="none" spc="0" normalizeH="0" baseline="0">
             <a:ln>
               <a:noFill/>
             </a:ln>
@@ -3226,7 +3801,7 @@
           <a:buFontTx/>
           <a:buNone/>
           <a:tabLst/>
-          <a:defRPr b="0" baseline="0" cap="none" i="0" spc="0" strike="noStrike" sz="1800" u="none" kumimoji="0" normalizeH="0">
+          <a:defRPr kumimoji="0" sz="1800" b="0" i="0" u="none" strike="noStrike" cap="none" spc="0" normalizeH="0" baseline="0">
             <a:ln>
               <a:noFill/>
             </a:ln>
@@ -3252,7 +3827,7 @@
           <a:buFontTx/>
           <a:buNone/>
           <a:tabLst/>
-          <a:defRPr b="0" baseline="0" cap="none" i="0" spc="0" strike="noStrike" sz="1800" u="none" kumimoji="0" normalizeH="0">
+          <a:defRPr kumimoji="0" sz="1800" b="0" i="0" u="none" strike="noStrike" cap="none" spc="0" normalizeH="0" baseline="0">
             <a:ln>
               <a:noFill/>
             </a:ln>
@@ -3278,7 +3853,7 @@
           <a:buFontTx/>
           <a:buNone/>
           <a:tabLst/>
-          <a:defRPr b="0" baseline="0" cap="none" i="0" spc="0" strike="noStrike" sz="1800" u="none" kumimoji="0" normalizeH="0">
+          <a:defRPr kumimoji="0" sz="1800" b="0" i="0" u="none" strike="noStrike" cap="none" spc="0" normalizeH="0" baseline="0">
             <a:ln>
               <a:noFill/>
             </a:ln>
@@ -3291,9 +3866,15 @@
         </a:lvl9pPr>
       </a:lstStyle>
       <a:style>
-        <a:lnRef idx="0"/>
-        <a:fillRef idx="0"/>
-        <a:effectRef idx="0"/>
+        <a:lnRef idx="0">
+          <a:scrgbClr r="0" g="0" b="0"/>
+        </a:lnRef>
+        <a:fillRef idx="0">
+          <a:scrgbClr r="0" g="0" b="0"/>
+        </a:fillRef>
+        <a:effectRef idx="0">
+          <a:scrgbClr r="0" g="0" b="0"/>
+        </a:effectRef>
         <a:fontRef idx="none"/>
       </a:style>
     </a:spDef>
@@ -3308,14 +3889,14 @@
           <a:bevel/>
         </a:ln>
         <a:effectLst>
-          <a:outerShdw sx="100000" sy="100000" kx="0" ky="0" algn="b" rotWithShape="0" blurRad="38100" dist="20000" dir="5400000">
+          <a:outerShdw blurRad="38100" dist="20000" dir="5400000" rotWithShape="0">
             <a:srgbClr val="000000">
               <a:alpha val="38000"/>
             </a:srgbClr>
           </a:outerShdw>
         </a:effectLst>
       </a:spPr>
-      <a:bodyPr rot="0" spcFirstLastPara="1" vertOverflow="overflow" horzOverflow="overflow" vert="horz" wrap="square" lIns="91439" tIns="45719" rIns="91439" bIns="45719" numCol="1" spcCol="38100" rtlCol="0" anchor="t" upright="0">
+      <a:bodyPr rot="0" spcFirstLastPara="1" vertOverflow="overflow" horzOverflow="overflow" vert="horz" wrap="square" lIns="91439" tIns="45719" rIns="91439" bIns="45719" numCol="1" spcCol="38100" rtlCol="0" anchor="t">
         <a:noAutofit/>
       </a:bodyPr>
       <a:lstStyle>
@@ -3334,7 +3915,7 @@
           <a:buFontTx/>
           <a:buNone/>
           <a:tabLst/>
-          <a:defRPr b="0" baseline="0" cap="none" i="0" spc="0" strike="noStrike" sz="1800" u="none" kumimoji="0" normalizeH="0">
+          <a:defRPr kumimoji="0" sz="1800" b="0" i="0" u="none" strike="noStrike" cap="none" spc="0" normalizeH="0" baseline="0">
             <a:ln>
               <a:noFill/>
             </a:ln>
@@ -3360,7 +3941,7 @@
           <a:buFontTx/>
           <a:buNone/>
           <a:tabLst/>
-          <a:defRPr b="0" baseline="0" cap="none" i="0" spc="0" strike="noStrike" sz="1800" u="none" kumimoji="0" normalizeH="0">
+          <a:defRPr kumimoji="0" sz="1800" b="0" i="0" u="none" strike="noStrike" cap="none" spc="0" normalizeH="0" baseline="0">
             <a:ln>
               <a:noFill/>
             </a:ln>
@@ -3386,7 +3967,7 @@
           <a:buFontTx/>
           <a:buNone/>
           <a:tabLst/>
-          <a:defRPr b="0" baseline="0" cap="none" i="0" spc="0" strike="noStrike" sz="1800" u="none" kumimoji="0" normalizeH="0">
+          <a:defRPr kumimoji="0" sz="1800" b="0" i="0" u="none" strike="noStrike" cap="none" spc="0" normalizeH="0" baseline="0">
             <a:ln>
               <a:noFill/>
             </a:ln>
@@ -3412,7 +3993,7 @@
           <a:buFontTx/>
           <a:buNone/>
           <a:tabLst/>
-          <a:defRPr b="0" baseline="0" cap="none" i="0" spc="0" strike="noStrike" sz="1800" u="none" kumimoji="0" normalizeH="0">
+          <a:defRPr kumimoji="0" sz="1800" b="0" i="0" u="none" strike="noStrike" cap="none" spc="0" normalizeH="0" baseline="0">
             <a:ln>
               <a:noFill/>
             </a:ln>
@@ -3438,7 +4019,7 @@
           <a:buFontTx/>
           <a:buNone/>
           <a:tabLst/>
-          <a:defRPr b="0" baseline="0" cap="none" i="0" spc="0" strike="noStrike" sz="1800" u="none" kumimoji="0" normalizeH="0">
+          <a:defRPr kumimoji="0" sz="1800" b="0" i="0" u="none" strike="noStrike" cap="none" spc="0" normalizeH="0" baseline="0">
             <a:ln>
               <a:noFill/>
             </a:ln>
@@ -3464,7 +4045,7 @@
           <a:buFontTx/>
           <a:buNone/>
           <a:tabLst/>
-          <a:defRPr b="0" baseline="0" cap="none" i="0" spc="0" strike="noStrike" sz="1800" u="none" kumimoji="0" normalizeH="0">
+          <a:defRPr kumimoji="0" sz="1800" b="0" i="0" u="none" strike="noStrike" cap="none" spc="0" normalizeH="0" baseline="0">
             <a:ln>
               <a:noFill/>
             </a:ln>
@@ -3490,7 +4071,7 @@
           <a:buFontTx/>
           <a:buNone/>
           <a:tabLst/>
-          <a:defRPr b="0" baseline="0" cap="none" i="0" spc="0" strike="noStrike" sz="1800" u="none" kumimoji="0" normalizeH="0">
+          <a:defRPr kumimoji="0" sz="1800" b="0" i="0" u="none" strike="noStrike" cap="none" spc="0" normalizeH="0" baseline="0">
             <a:ln>
               <a:noFill/>
             </a:ln>
@@ -3516,7 +4097,7 @@
           <a:buFontTx/>
           <a:buNone/>
           <a:tabLst/>
-          <a:defRPr b="0" baseline="0" cap="none" i="0" spc="0" strike="noStrike" sz="1800" u="none" kumimoji="0" normalizeH="0">
+          <a:defRPr kumimoji="0" sz="1800" b="0" i="0" u="none" strike="noStrike" cap="none" spc="0" normalizeH="0" baseline="0">
             <a:ln>
               <a:noFill/>
             </a:ln>
@@ -3542,7 +4123,7 @@
           <a:buFontTx/>
           <a:buNone/>
           <a:tabLst/>
-          <a:defRPr b="0" baseline="0" cap="none" i="0" spc="0" strike="noStrike" sz="1800" u="none" kumimoji="0" normalizeH="0">
+          <a:defRPr kumimoji="0" sz="1800" b="0" i="0" u="none" strike="noStrike" cap="none" spc="0" normalizeH="0" baseline="0">
             <a:ln>
               <a:noFill/>
             </a:ln>
@@ -3568,7 +4149,7 @@
           <a:buFontTx/>
           <a:buNone/>
           <a:tabLst/>
-          <a:defRPr b="0" baseline="0" cap="none" i="0" spc="0" strike="noStrike" sz="1800" u="none" kumimoji="0" normalizeH="0">
+          <a:defRPr kumimoji="0" sz="1800" b="0" i="0" u="none" strike="noStrike" cap="none" spc="0" normalizeH="0" baseline="0">
             <a:ln>
               <a:noFill/>
             </a:ln>
@@ -3581,9 +4162,15 @@
         </a:lvl9pPr>
       </a:lstStyle>
       <a:style>
-        <a:lnRef idx="0"/>
-        <a:fillRef idx="0"/>
-        <a:effectRef idx="0"/>
+        <a:lnRef idx="0">
+          <a:scrgbClr r="0" g="0" b="0"/>
+        </a:lnRef>
+        <a:fillRef idx="0">
+          <a:scrgbClr r="0" g="0" b="0"/>
+        </a:fillRef>
+        <a:effectRef idx="0">
+          <a:scrgbClr r="0" g="0" b="0"/>
+        </a:effectRef>
         <a:fontRef idx="none"/>
       </a:style>
     </a:lnDef>
@@ -3596,7 +4183,7 @@
         </a:ln>
         <a:effectLst/>
       </a:spPr>
-      <a:bodyPr rot="0" spcFirstLastPara="1" vertOverflow="overflow" horzOverflow="overflow" vert="horz" wrap="square" lIns="45719" tIns="45719" rIns="45719" bIns="45719" numCol="1" spcCol="38100" rtlCol="0" anchor="t" upright="0">
+      <a:bodyPr rot="0" spcFirstLastPara="1" vertOverflow="overflow" horzOverflow="overflow" vert="horz" wrap="square" lIns="45719" tIns="45719" rIns="45719" bIns="45719" numCol="1" spcCol="38100" rtlCol="0" anchor="t">
         <a:spAutoFit/>
       </a:bodyPr>
       <a:lstStyle>
@@ -3615,7 +4202,7 @@
           <a:buFontTx/>
           <a:buNone/>
           <a:tabLst/>
-          <a:defRPr b="0" baseline="0" cap="none" i="0" spc="0" strike="noStrike" sz="1400" u="none" kumimoji="0" normalizeH="0">
+          <a:defRPr kumimoji="0" sz="1400" b="0" i="0" u="none" strike="noStrike" cap="none" spc="0" normalizeH="0" baseline="0">
             <a:ln>
               <a:noFill/>
             </a:ln>
@@ -3645,7 +4232,7 @@
           <a:buFontTx/>
           <a:buNone/>
           <a:tabLst/>
-          <a:defRPr b="0" baseline="0" cap="none" i="0" spc="0" strike="noStrike" sz="1800" u="none" kumimoji="0" normalizeH="0">
+          <a:defRPr kumimoji="0" sz="1800" b="0" i="0" u="none" strike="noStrike" cap="none" spc="0" normalizeH="0" baseline="0">
             <a:ln>
               <a:noFill/>
             </a:ln>
@@ -3671,7 +4258,7 @@
           <a:buFontTx/>
           <a:buNone/>
           <a:tabLst/>
-          <a:defRPr b="0" baseline="0" cap="none" i="0" spc="0" strike="noStrike" sz="1800" u="none" kumimoji="0" normalizeH="0">
+          <a:defRPr kumimoji="0" sz="1800" b="0" i="0" u="none" strike="noStrike" cap="none" spc="0" normalizeH="0" baseline="0">
             <a:ln>
               <a:noFill/>
             </a:ln>
@@ -3697,7 +4284,7 @@
           <a:buFontTx/>
           <a:buNone/>
           <a:tabLst/>
-          <a:defRPr b="0" baseline="0" cap="none" i="0" spc="0" strike="noStrike" sz="1800" u="none" kumimoji="0" normalizeH="0">
+          <a:defRPr kumimoji="0" sz="1800" b="0" i="0" u="none" strike="noStrike" cap="none" spc="0" normalizeH="0" baseline="0">
             <a:ln>
               <a:noFill/>
             </a:ln>
@@ -3723,7 +4310,7 @@
           <a:buFontTx/>
           <a:buNone/>
           <a:tabLst/>
-          <a:defRPr b="0" baseline="0" cap="none" i="0" spc="0" strike="noStrike" sz="1800" u="none" kumimoji="0" normalizeH="0">
+          <a:defRPr kumimoji="0" sz="1800" b="0" i="0" u="none" strike="noStrike" cap="none" spc="0" normalizeH="0" baseline="0">
             <a:ln>
               <a:noFill/>
             </a:ln>
@@ -3749,7 +4336,7 @@
           <a:buFontTx/>
           <a:buNone/>
           <a:tabLst/>
-          <a:defRPr b="0" baseline="0" cap="none" i="0" spc="0" strike="noStrike" sz="1800" u="none" kumimoji="0" normalizeH="0">
+          <a:defRPr kumimoji="0" sz="1800" b="0" i="0" u="none" strike="noStrike" cap="none" spc="0" normalizeH="0" baseline="0">
             <a:ln>
               <a:noFill/>
             </a:ln>
@@ -3775,7 +4362,7 @@
           <a:buFontTx/>
           <a:buNone/>
           <a:tabLst/>
-          <a:defRPr b="0" baseline="0" cap="none" i="0" spc="0" strike="noStrike" sz="1800" u="none" kumimoji="0" normalizeH="0">
+          <a:defRPr kumimoji="0" sz="1800" b="0" i="0" u="none" strike="noStrike" cap="none" spc="0" normalizeH="0" baseline="0">
             <a:ln>
               <a:noFill/>
             </a:ln>
@@ -3801,7 +4388,7 @@
           <a:buFontTx/>
           <a:buNone/>
           <a:tabLst/>
-          <a:defRPr b="0" baseline="0" cap="none" i="0" spc="0" strike="noStrike" sz="1800" u="none" kumimoji="0" normalizeH="0">
+          <a:defRPr kumimoji="0" sz="1800" b="0" i="0" u="none" strike="noStrike" cap="none" spc="0" normalizeH="0" baseline="0">
             <a:ln>
               <a:noFill/>
             </a:ln>
@@ -3827,7 +4414,7 @@
           <a:buFontTx/>
           <a:buNone/>
           <a:tabLst/>
-          <a:defRPr b="0" baseline="0" cap="none" i="0" spc="0" strike="noStrike" sz="1800" u="none" kumimoji="0" normalizeH="0">
+          <a:defRPr kumimoji="0" sz="1800" b="0" i="0" u="none" strike="noStrike" cap="none" spc="0" normalizeH="0" baseline="0">
             <a:ln>
               <a:noFill/>
             </a:ln>
@@ -3853,7 +4440,7 @@
           <a:buFontTx/>
           <a:buNone/>
           <a:tabLst/>
-          <a:defRPr b="0" baseline="0" cap="none" i="0" spc="0" strike="noStrike" sz="1800" u="none" kumimoji="0" normalizeH="0">
+          <a:defRPr kumimoji="0" sz="1800" b="0" i="0" u="none" strike="noStrike" cap="none" spc="0" normalizeH="0" baseline="0">
             <a:ln>
               <a:noFill/>
             </a:ln>
@@ -3866,18 +4453,25 @@
         </a:lvl9pPr>
       </a:lstStyle>
       <a:style>
-        <a:lnRef idx="0"/>
-        <a:fillRef idx="0"/>
-        <a:effectRef idx="0"/>
+        <a:lnRef idx="0">
+          <a:scrgbClr r="0" g="0" b="0"/>
+        </a:lnRef>
+        <a:fillRef idx="0">
+          <a:scrgbClr r="0" g="0" b="0"/>
+        </a:fillRef>
+        <a:effectRef idx="0">
+          <a:scrgbClr r="0" g="0" b="0"/>
+        </a:effectRef>
         <a:fontRef idx="none"/>
       </a:style>
     </a:txDef>
   </a:objectDefaults>
+  <a:extraClrSchemeLst/>
 </a:theme>
 </file>
 
 <file path=ppt/theme/theme2.xml><?xml version="1.0" encoding="utf-8"?>
-<a:theme xmlns:a="http://schemas.openxmlformats.org/drawingml/2006/main" xmlns:r="http://schemas.openxmlformats.org/officeDocument/2006/relationships" name="Default">
+<a:theme xmlns:a="http://schemas.openxmlformats.org/drawingml/2006/main" name="Default">
   <a:themeElements>
     <a:clrScheme name="Default">
       <a:dk1>
@@ -4003,7 +4597,7 @@
       <a:effectStyleLst>
         <a:effectStyle>
           <a:effectLst>
-            <a:outerShdw sx="100000" sy="100000" kx="0" ky="0" algn="b" rotWithShape="0" blurRad="38100" dist="23000" dir="5400000">
+            <a:outerShdw blurRad="38100" dist="23000" dir="5400000" rotWithShape="0">
               <a:srgbClr val="000000">
                 <a:alpha val="35000"/>
               </a:srgbClr>
@@ -4012,7 +4606,7 @@
         </a:effectStyle>
         <a:effectStyle>
           <a:effectLst>
-            <a:outerShdw sx="100000" sy="100000" kx="0" ky="0" algn="b" rotWithShape="0" blurRad="38100" dist="23000" dir="5400000">
+            <a:outerShdw blurRad="38100" dist="23000" dir="5400000" rotWithShape="0">
               <a:srgbClr val="000000">
                 <a:alpha val="35000"/>
               </a:srgbClr>
@@ -4021,7 +4615,7 @@
         </a:effectStyle>
         <a:effectStyle>
           <a:effectLst>
-            <a:outerShdw sx="100000" sy="100000" kx="0" ky="0" algn="b" rotWithShape="0" blurRad="38100" dist="20000" dir="5400000">
+            <a:outerShdw blurRad="38100" dist="20000" dir="5400000" rotWithShape="0">
               <a:srgbClr val="000000">
                 <a:alpha val="38000"/>
               </a:srgbClr>
@@ -4095,14 +4689,14 @@
           <a:bevel/>
         </a:ln>
         <a:effectLst>
-          <a:outerShdw sx="100000" sy="100000" kx="0" ky="0" algn="b" rotWithShape="0" blurRad="38100" dist="23000" dir="5400000">
+          <a:outerShdw blurRad="38100" dist="23000" dir="5400000" rotWithShape="0">
             <a:srgbClr val="000000">
               <a:alpha val="35000"/>
             </a:srgbClr>
           </a:outerShdw>
         </a:effectLst>
       </a:spPr>
-      <a:bodyPr rot="0" spcFirstLastPara="1" vertOverflow="overflow" horzOverflow="overflow" vert="horz" wrap="square" lIns="45719" tIns="45719" rIns="45719" bIns="45719" numCol="1" spcCol="38100" rtlCol="0" anchor="ctr" upright="0">
+      <a:bodyPr rot="0" spcFirstLastPara="1" vertOverflow="overflow" horzOverflow="overflow" vert="horz" wrap="square" lIns="45719" tIns="45719" rIns="45719" bIns="45719" numCol="1" spcCol="38100" rtlCol="0" anchor="ctr">
         <a:spAutoFit/>
       </a:bodyPr>
       <a:lstStyle>
@@ -4121,7 +4715,7 @@
           <a:buFontTx/>
           <a:buNone/>
           <a:tabLst/>
-          <a:defRPr b="0" baseline="0" cap="none" i="0" spc="0" strike="noStrike" sz="1400" u="none" kumimoji="0" normalizeH="0">
+          <a:defRPr kumimoji="0" sz="1400" b="0" i="0" u="none" strike="noStrike" cap="none" spc="0" normalizeH="0" baseline="0">
             <a:ln>
               <a:noFill/>
             </a:ln>
@@ -4151,7 +4745,7 @@
           <a:buFontTx/>
           <a:buNone/>
           <a:tabLst/>
-          <a:defRPr b="0" baseline="0" cap="none" i="0" spc="0" strike="noStrike" sz="1800" u="none" kumimoji="0" normalizeH="0">
+          <a:defRPr kumimoji="0" sz="1800" b="0" i="0" u="none" strike="noStrike" cap="none" spc="0" normalizeH="0" baseline="0">
             <a:ln>
               <a:noFill/>
             </a:ln>
@@ -4177,7 +4771,7 @@
           <a:buFontTx/>
           <a:buNone/>
           <a:tabLst/>
-          <a:defRPr b="0" baseline="0" cap="none" i="0" spc="0" strike="noStrike" sz="1800" u="none" kumimoji="0" normalizeH="0">
+          <a:defRPr kumimoji="0" sz="1800" b="0" i="0" u="none" strike="noStrike" cap="none" spc="0" normalizeH="0" baseline="0">
             <a:ln>
               <a:noFill/>
             </a:ln>
@@ -4203,7 +4797,7 @@
           <a:buFontTx/>
           <a:buNone/>
           <a:tabLst/>
-          <a:defRPr b="0" baseline="0" cap="none" i="0" spc="0" strike="noStrike" sz="1800" u="none" kumimoji="0" normalizeH="0">
+          <a:defRPr kumimoji="0" sz="1800" b="0" i="0" u="none" strike="noStrike" cap="none" spc="0" normalizeH="0" baseline="0">
             <a:ln>
               <a:noFill/>
             </a:ln>
@@ -4229,7 +4823,7 @@
           <a:buFontTx/>
           <a:buNone/>
           <a:tabLst/>
-          <a:defRPr b="0" baseline="0" cap="none" i="0" spc="0" strike="noStrike" sz="1800" u="none" kumimoji="0" normalizeH="0">
+          <a:defRPr kumimoji="0" sz="1800" b="0" i="0" u="none" strike="noStrike" cap="none" spc="0" normalizeH="0" baseline="0">
             <a:ln>
               <a:noFill/>
             </a:ln>
@@ -4255,7 +4849,7 @@
           <a:buFontTx/>
           <a:buNone/>
           <a:tabLst/>
-          <a:defRPr b="0" baseline="0" cap="none" i="0" spc="0" strike="noStrike" sz="1800" u="none" kumimoji="0" normalizeH="0">
+          <a:defRPr kumimoji="0" sz="1800" b="0" i="0" u="none" strike="noStrike" cap="none" spc="0" normalizeH="0" baseline="0">
             <a:ln>
               <a:noFill/>
             </a:ln>
@@ -4281,7 +4875,7 @@
           <a:buFontTx/>
           <a:buNone/>
           <a:tabLst/>
-          <a:defRPr b="0" baseline="0" cap="none" i="0" spc="0" strike="noStrike" sz="1800" u="none" kumimoji="0" normalizeH="0">
+          <a:defRPr kumimoji="0" sz="1800" b="0" i="0" u="none" strike="noStrike" cap="none" spc="0" normalizeH="0" baseline="0">
             <a:ln>
               <a:noFill/>
             </a:ln>
@@ -4307,7 +4901,7 @@
           <a:buFontTx/>
           <a:buNone/>
           <a:tabLst/>
-          <a:defRPr b="0" baseline="0" cap="none" i="0" spc="0" strike="noStrike" sz="1800" u="none" kumimoji="0" normalizeH="0">
+          <a:defRPr kumimoji="0" sz="1800" b="0" i="0" u="none" strike="noStrike" cap="none" spc="0" normalizeH="0" baseline="0">
             <a:ln>
               <a:noFill/>
             </a:ln>
@@ -4333,7 +4927,7 @@
           <a:buFontTx/>
           <a:buNone/>
           <a:tabLst/>
-          <a:defRPr b="0" baseline="0" cap="none" i="0" spc="0" strike="noStrike" sz="1800" u="none" kumimoji="0" normalizeH="0">
+          <a:defRPr kumimoji="0" sz="1800" b="0" i="0" u="none" strike="noStrike" cap="none" spc="0" normalizeH="0" baseline="0">
             <a:ln>
               <a:noFill/>
             </a:ln>
@@ -4359,7 +4953,7 @@
           <a:buFontTx/>
           <a:buNone/>
           <a:tabLst/>
-          <a:defRPr b="0" baseline="0" cap="none" i="0" spc="0" strike="noStrike" sz="1800" u="none" kumimoji="0" normalizeH="0">
+          <a:defRPr kumimoji="0" sz="1800" b="0" i="0" u="none" strike="noStrike" cap="none" spc="0" normalizeH="0" baseline="0">
             <a:ln>
               <a:noFill/>
             </a:ln>
@@ -4372,9 +4966,15 @@
         </a:lvl9pPr>
       </a:lstStyle>
       <a:style>
-        <a:lnRef idx="0"/>
-        <a:fillRef idx="0"/>
-        <a:effectRef idx="0"/>
+        <a:lnRef idx="0">
+          <a:scrgbClr r="0" g="0" b="0"/>
+        </a:lnRef>
+        <a:fillRef idx="0">
+          <a:scrgbClr r="0" g="0" b="0"/>
+        </a:fillRef>
+        <a:effectRef idx="0">
+          <a:scrgbClr r="0" g="0" b="0"/>
+        </a:effectRef>
         <a:fontRef idx="none"/>
       </a:style>
     </a:spDef>
@@ -4389,14 +4989,14 @@
           <a:bevel/>
         </a:ln>
         <a:effectLst>
-          <a:outerShdw sx="100000" sy="100000" kx="0" ky="0" algn="b" rotWithShape="0" blurRad="38100" dist="20000" dir="5400000">
+          <a:outerShdw blurRad="38100" dist="20000" dir="5400000" rotWithShape="0">
             <a:srgbClr val="000000">
               <a:alpha val="38000"/>
             </a:srgbClr>
           </a:outerShdw>
         </a:effectLst>
       </a:spPr>
-      <a:bodyPr rot="0" spcFirstLastPara="1" vertOverflow="overflow" horzOverflow="overflow" vert="horz" wrap="square" lIns="91439" tIns="45719" rIns="91439" bIns="45719" numCol="1" spcCol="38100" rtlCol="0" anchor="t" upright="0">
+      <a:bodyPr rot="0" spcFirstLastPara="1" vertOverflow="overflow" horzOverflow="overflow" vert="horz" wrap="square" lIns="91439" tIns="45719" rIns="91439" bIns="45719" numCol="1" spcCol="38100" rtlCol="0" anchor="t">
         <a:noAutofit/>
       </a:bodyPr>
       <a:lstStyle>
@@ -4415,7 +5015,7 @@
           <a:buFontTx/>
           <a:buNone/>
           <a:tabLst/>
-          <a:defRPr b="0" baseline="0" cap="none" i="0" spc="0" strike="noStrike" sz="1800" u="none" kumimoji="0" normalizeH="0">
+          <a:defRPr kumimoji="0" sz="1800" b="0" i="0" u="none" strike="noStrike" cap="none" spc="0" normalizeH="0" baseline="0">
             <a:ln>
               <a:noFill/>
             </a:ln>
@@ -4441,7 +5041,7 @@
           <a:buFontTx/>
           <a:buNone/>
           <a:tabLst/>
-          <a:defRPr b="0" baseline="0" cap="none" i="0" spc="0" strike="noStrike" sz="1800" u="none" kumimoji="0" normalizeH="0">
+          <a:defRPr kumimoji="0" sz="1800" b="0" i="0" u="none" strike="noStrike" cap="none" spc="0" normalizeH="0" baseline="0">
             <a:ln>
               <a:noFill/>
             </a:ln>
@@ -4467,7 +5067,7 @@
           <a:buFontTx/>
           <a:buNone/>
           <a:tabLst/>
-          <a:defRPr b="0" baseline="0" cap="none" i="0" spc="0" strike="noStrike" sz="1800" u="none" kumimoji="0" normalizeH="0">
+          <a:defRPr kumimoji="0" sz="1800" b="0" i="0" u="none" strike="noStrike" cap="none" spc="0" normalizeH="0" baseline="0">
             <a:ln>
               <a:noFill/>
             </a:ln>
@@ -4493,7 +5093,7 @@
           <a:buFontTx/>
           <a:buNone/>
           <a:tabLst/>
-          <a:defRPr b="0" baseline="0" cap="none" i="0" spc="0" strike="noStrike" sz="1800" u="none" kumimoji="0" normalizeH="0">
+          <a:defRPr kumimoji="0" sz="1800" b="0" i="0" u="none" strike="noStrike" cap="none" spc="0" normalizeH="0" baseline="0">
             <a:ln>
               <a:noFill/>
             </a:ln>
@@ -4519,7 +5119,7 @@
           <a:buFontTx/>
           <a:buNone/>
           <a:tabLst/>
-          <a:defRPr b="0" baseline="0" cap="none" i="0" spc="0" strike="noStrike" sz="1800" u="none" kumimoji="0" normalizeH="0">
+          <a:defRPr kumimoji="0" sz="1800" b="0" i="0" u="none" strike="noStrike" cap="none" spc="0" normalizeH="0" baseline="0">
             <a:ln>
               <a:noFill/>
             </a:ln>
@@ -4545,7 +5145,7 @@
           <a:buFontTx/>
           <a:buNone/>
           <a:tabLst/>
-          <a:defRPr b="0" baseline="0" cap="none" i="0" spc="0" strike="noStrike" sz="1800" u="none" kumimoji="0" normalizeH="0">
+          <a:defRPr kumimoji="0" sz="1800" b="0" i="0" u="none" strike="noStrike" cap="none" spc="0" normalizeH="0" baseline="0">
             <a:ln>
               <a:noFill/>
             </a:ln>
@@ -4571,7 +5171,7 @@
           <a:buFontTx/>
           <a:buNone/>
           <a:tabLst/>
-          <a:defRPr b="0" baseline="0" cap="none" i="0" spc="0" strike="noStrike" sz="1800" u="none" kumimoji="0" normalizeH="0">
+          <a:defRPr kumimoji="0" sz="1800" b="0" i="0" u="none" strike="noStrike" cap="none" spc="0" normalizeH="0" baseline="0">
             <a:ln>
               <a:noFill/>
             </a:ln>
@@ -4597,7 +5197,7 @@
           <a:buFontTx/>
           <a:buNone/>
           <a:tabLst/>
-          <a:defRPr b="0" baseline="0" cap="none" i="0" spc="0" strike="noStrike" sz="1800" u="none" kumimoji="0" normalizeH="0">
+          <a:defRPr kumimoji="0" sz="1800" b="0" i="0" u="none" strike="noStrike" cap="none" spc="0" normalizeH="0" baseline="0">
             <a:ln>
               <a:noFill/>
             </a:ln>
@@ -4623,7 +5223,7 @@
           <a:buFontTx/>
           <a:buNone/>
           <a:tabLst/>
-          <a:defRPr b="0" baseline="0" cap="none" i="0" spc="0" strike="noStrike" sz="1800" u="none" kumimoji="0" normalizeH="0">
+          <a:defRPr kumimoji="0" sz="1800" b="0" i="0" u="none" strike="noStrike" cap="none" spc="0" normalizeH="0" baseline="0">
             <a:ln>
               <a:noFill/>
             </a:ln>
@@ -4649,7 +5249,7 @@
           <a:buFontTx/>
           <a:buNone/>
           <a:tabLst/>
-          <a:defRPr b="0" baseline="0" cap="none" i="0" spc="0" strike="noStrike" sz="1800" u="none" kumimoji="0" normalizeH="0">
+          <a:defRPr kumimoji="0" sz="1800" b="0" i="0" u="none" strike="noStrike" cap="none" spc="0" normalizeH="0" baseline="0">
             <a:ln>
               <a:noFill/>
             </a:ln>
@@ -4662,9 +5262,15 @@
         </a:lvl9pPr>
       </a:lstStyle>
       <a:style>
-        <a:lnRef idx="0"/>
-        <a:fillRef idx="0"/>
-        <a:effectRef idx="0"/>
+        <a:lnRef idx="0">
+          <a:scrgbClr r="0" g="0" b="0"/>
+        </a:lnRef>
+        <a:fillRef idx="0">
+          <a:scrgbClr r="0" g="0" b="0"/>
+        </a:fillRef>
+        <a:effectRef idx="0">
+          <a:scrgbClr r="0" g="0" b="0"/>
+        </a:effectRef>
         <a:fontRef idx="none"/>
       </a:style>
     </a:lnDef>
@@ -4677,7 +5283,7 @@
         </a:ln>
         <a:effectLst/>
       </a:spPr>
-      <a:bodyPr rot="0" spcFirstLastPara="1" vertOverflow="overflow" horzOverflow="overflow" vert="horz" wrap="square" lIns="45719" tIns="45719" rIns="45719" bIns="45719" numCol="1" spcCol="38100" rtlCol="0" anchor="t" upright="0">
+      <a:bodyPr rot="0" spcFirstLastPara="1" vertOverflow="overflow" horzOverflow="overflow" vert="horz" wrap="square" lIns="45719" tIns="45719" rIns="45719" bIns="45719" numCol="1" spcCol="38100" rtlCol="0" anchor="t">
         <a:spAutoFit/>
       </a:bodyPr>
       <a:lstStyle>
@@ -4696,7 +5302,7 @@
           <a:buFontTx/>
           <a:buNone/>
           <a:tabLst/>
-          <a:defRPr b="0" baseline="0" cap="none" i="0" spc="0" strike="noStrike" sz="1400" u="none" kumimoji="0" normalizeH="0">
+          <a:defRPr kumimoji="0" sz="1400" b="0" i="0" u="none" strike="noStrike" cap="none" spc="0" normalizeH="0" baseline="0">
             <a:ln>
               <a:noFill/>
             </a:ln>
@@ -4726,7 +5332,7 @@
           <a:buFontTx/>
           <a:buNone/>
           <a:tabLst/>
-          <a:defRPr b="0" baseline="0" cap="none" i="0" spc="0" strike="noStrike" sz="1800" u="none" kumimoji="0" normalizeH="0">
+          <a:defRPr kumimoji="0" sz="1800" b="0" i="0" u="none" strike="noStrike" cap="none" spc="0" normalizeH="0" baseline="0">
             <a:ln>
               <a:noFill/>
             </a:ln>
@@ -4752,7 +5358,7 @@
           <a:buFontTx/>
           <a:buNone/>
           <a:tabLst/>
-          <a:defRPr b="0" baseline="0" cap="none" i="0" spc="0" strike="noStrike" sz="1800" u="none" kumimoji="0" normalizeH="0">
+          <a:defRPr kumimoji="0" sz="1800" b="0" i="0" u="none" strike="noStrike" cap="none" spc="0" normalizeH="0" baseline="0">
             <a:ln>
               <a:noFill/>
             </a:ln>
@@ -4778,7 +5384,7 @@
           <a:buFontTx/>
           <a:buNone/>
           <a:tabLst/>
-          <a:defRPr b="0" baseline="0" cap="none" i="0" spc="0" strike="noStrike" sz="1800" u="none" kumimoji="0" normalizeH="0">
+          <a:defRPr kumimoji="0" sz="1800" b="0" i="0" u="none" strike="noStrike" cap="none" spc="0" normalizeH="0" baseline="0">
             <a:ln>
               <a:noFill/>
             </a:ln>
@@ -4804,7 +5410,7 @@
           <a:buFontTx/>
           <a:buNone/>
           <a:tabLst/>
-          <a:defRPr b="0" baseline="0" cap="none" i="0" spc="0" strike="noStrike" sz="1800" u="none" kumimoji="0" normalizeH="0">
+          <a:defRPr kumimoji="0" sz="1800" b="0" i="0" u="none" strike="noStrike" cap="none" spc="0" normalizeH="0" baseline="0">
             <a:ln>
               <a:noFill/>
             </a:ln>
@@ -4830,7 +5436,7 @@
           <a:buFontTx/>
           <a:buNone/>
           <a:tabLst/>
-          <a:defRPr b="0" baseline="0" cap="none" i="0" spc="0" strike="noStrike" sz="1800" u="none" kumimoji="0" normalizeH="0">
+          <a:defRPr kumimoji="0" sz="1800" b="0" i="0" u="none" strike="noStrike" cap="none" spc="0" normalizeH="0" baseline="0">
             <a:ln>
               <a:noFill/>
             </a:ln>
@@ -4856,7 +5462,7 @@
           <a:buFontTx/>
           <a:buNone/>
           <a:tabLst/>
-          <a:defRPr b="0" baseline="0" cap="none" i="0" spc="0" strike="noStrike" sz="1800" u="none" kumimoji="0" normalizeH="0">
+          <a:defRPr kumimoji="0" sz="1800" b="0" i="0" u="none" strike="noStrike" cap="none" spc="0" normalizeH="0" baseline="0">
             <a:ln>
               <a:noFill/>
             </a:ln>
@@ -4882,7 +5488,7 @@
           <a:buFontTx/>
           <a:buNone/>
           <a:tabLst/>
-          <a:defRPr b="0" baseline="0" cap="none" i="0" spc="0" strike="noStrike" sz="1800" u="none" kumimoji="0" normalizeH="0">
+          <a:defRPr kumimoji="0" sz="1800" b="0" i="0" u="none" strike="noStrike" cap="none" spc="0" normalizeH="0" baseline="0">
             <a:ln>
               <a:noFill/>
             </a:ln>
@@ -4908,7 +5514,7 @@
           <a:buFontTx/>
           <a:buNone/>
           <a:tabLst/>
-          <a:defRPr b="0" baseline="0" cap="none" i="0" spc="0" strike="noStrike" sz="1800" u="none" kumimoji="0" normalizeH="0">
+          <a:defRPr kumimoji="0" sz="1800" b="0" i="0" u="none" strike="noStrike" cap="none" spc="0" normalizeH="0" baseline="0">
             <a:ln>
               <a:noFill/>
             </a:ln>
@@ -4934,7 +5540,7 @@
           <a:buFontTx/>
           <a:buNone/>
           <a:tabLst/>
-          <a:defRPr b="0" baseline="0" cap="none" i="0" spc="0" strike="noStrike" sz="1800" u="none" kumimoji="0" normalizeH="0">
+          <a:defRPr kumimoji="0" sz="1800" b="0" i="0" u="none" strike="noStrike" cap="none" spc="0" normalizeH="0" baseline="0">
             <a:ln>
               <a:noFill/>
             </a:ln>
@@ -4947,12 +5553,19 @@
         </a:lvl9pPr>
       </a:lstStyle>
       <a:style>
-        <a:lnRef idx="0"/>
-        <a:fillRef idx="0"/>
-        <a:effectRef idx="0"/>
+        <a:lnRef idx="0">
+          <a:scrgbClr r="0" g="0" b="0"/>
+        </a:lnRef>
+        <a:fillRef idx="0">
+          <a:scrgbClr r="0" g="0" b="0"/>
+        </a:fillRef>
+        <a:effectRef idx="0">
+          <a:scrgbClr r="0" g="0" b="0"/>
+        </a:effectRef>
         <a:fontRef idx="none"/>
       </a:style>
     </a:txDef>
   </a:objectDefaults>
+  <a:extraClrSchemeLst/>
 </a:theme>
 </file>